--- a/images/graficos.pptx
+++ b/images/graficos.pptx
@@ -8,6 +8,8 @@
     <p:sldId id="256" r:id="rId2"/>
     <p:sldId id="257" r:id="rId3"/>
     <p:sldId id="258" r:id="rId4"/>
+    <p:sldId id="259" r:id="rId5"/>
+    <p:sldId id="260" r:id="rId6"/>
   </p:sldIdLst>
   <p:sldSz cx="9144000" cy="6858000" type="screen4x3"/>
   <p:notesSz cx="6858000" cy="9144000"/>
@@ -4235,6 +4237,884 @@
           </a:fontRef>
         </p:style>
       </p:cxnSp>
+    </p:spTree>
+  </p:cSld>
+  <p:clrMapOvr>
+    <a:masterClrMapping/>
+  </p:clrMapOvr>
+</p:sld>
+</file>
+
+<file path=ppt/slides/slide4.xml><?xml version="1.0" encoding="utf-8"?>
+<p:sld xmlns:a="http://schemas.openxmlformats.org/drawingml/2006/main" xmlns:r="http://schemas.openxmlformats.org/officeDocument/2006/relationships" xmlns:p="http://schemas.openxmlformats.org/presentationml/2006/main">
+  <p:cSld>
+    <p:spTree>
+      <p:nvGrpSpPr>
+        <p:cNvPr id="1" name=""/>
+        <p:cNvGrpSpPr/>
+        <p:nvPr/>
+      </p:nvGrpSpPr>
+      <p:grpSpPr>
+        <a:xfrm>
+          <a:off x="0" y="0"/>
+          <a:ext cx="0" cy="0"/>
+          <a:chOff x="0" y="0"/>
+          <a:chExt cx="0" cy="0"/>
+        </a:xfrm>
+      </p:grpSpPr>
+      <p:pic>
+        <p:nvPicPr>
+          <p:cNvPr id="1026" name="Picture 2"/>
+          <p:cNvPicPr>
+            <a:picLocks noChangeAspect="1" noChangeArrowheads="1"/>
+          </p:cNvPicPr>
+          <p:nvPr/>
+        </p:nvPicPr>
+        <p:blipFill>
+          <a:blip r:embed="rId2" cstate="print"/>
+          <a:srcRect/>
+          <a:stretch>
+            <a:fillRect/>
+          </a:stretch>
+        </p:blipFill>
+        <p:spPr bwMode="auto">
+          <a:xfrm>
+            <a:off x="228600" y="990600"/>
+            <a:ext cx="8459362" cy="4354513"/>
+          </a:xfrm>
+          <a:prstGeom prst="rect">
+            <a:avLst/>
+          </a:prstGeom>
+          <a:noFill/>
+          <a:ln w="9525">
+            <a:noFill/>
+            <a:miter lim="800000"/>
+            <a:headEnd/>
+            <a:tailEnd/>
+          </a:ln>
+          <a:effectLst/>
+        </p:spPr>
+      </p:pic>
+    </p:spTree>
+  </p:cSld>
+  <p:clrMapOvr>
+    <a:masterClrMapping/>
+  </p:clrMapOvr>
+</p:sld>
+</file>
+
+<file path=ppt/slides/slide5.xml><?xml version="1.0" encoding="utf-8"?>
+<p:sld xmlns:a="http://schemas.openxmlformats.org/drawingml/2006/main" xmlns:r="http://schemas.openxmlformats.org/officeDocument/2006/relationships" xmlns:p="http://schemas.openxmlformats.org/presentationml/2006/main">
+  <p:cSld>
+    <p:spTree>
+      <p:nvGrpSpPr>
+        <p:cNvPr id="1" name=""/>
+        <p:cNvGrpSpPr/>
+        <p:nvPr/>
+      </p:nvGrpSpPr>
+      <p:grpSpPr>
+        <a:xfrm>
+          <a:off x="0" y="0"/>
+          <a:ext cx="0" cy="0"/>
+          <a:chOff x="0" y="0"/>
+          <a:chExt cx="0" cy="0"/>
+        </a:xfrm>
+      </p:grpSpPr>
+      <p:cxnSp>
+        <p:nvCxnSpPr>
+          <p:cNvPr id="5" name="Conector de seta reta 4"/>
+          <p:cNvCxnSpPr/>
+          <p:nvPr/>
+        </p:nvCxnSpPr>
+        <p:spPr>
+          <a:xfrm>
+            <a:off x="1524000" y="5029200"/>
+            <a:ext cx="4648200" cy="0"/>
+          </a:xfrm>
+          <a:prstGeom prst="straightConnector1">
+            <a:avLst/>
+          </a:prstGeom>
+          <a:ln>
+            <a:solidFill>
+              <a:schemeClr val="tx1"/>
+            </a:solidFill>
+            <a:tailEnd type="arrow"/>
+          </a:ln>
+        </p:spPr>
+        <p:style>
+          <a:lnRef idx="1">
+            <a:schemeClr val="accent1"/>
+          </a:lnRef>
+          <a:fillRef idx="0">
+            <a:schemeClr val="accent1"/>
+          </a:fillRef>
+          <a:effectRef idx="0">
+            <a:schemeClr val="accent1"/>
+          </a:effectRef>
+          <a:fontRef idx="minor">
+            <a:schemeClr val="tx1"/>
+          </a:fontRef>
+        </p:style>
+      </p:cxnSp>
+      <p:cxnSp>
+        <p:nvCxnSpPr>
+          <p:cNvPr id="7" name="Conector de seta reta 6"/>
+          <p:cNvCxnSpPr/>
+          <p:nvPr/>
+        </p:nvCxnSpPr>
+        <p:spPr>
+          <a:xfrm flipV="1">
+            <a:off x="1524000" y="685800"/>
+            <a:ext cx="0" cy="4343400"/>
+          </a:xfrm>
+          <a:prstGeom prst="straightConnector1">
+            <a:avLst/>
+          </a:prstGeom>
+          <a:ln>
+            <a:solidFill>
+              <a:schemeClr val="tx1"/>
+            </a:solidFill>
+            <a:tailEnd type="arrow"/>
+          </a:ln>
+        </p:spPr>
+        <p:style>
+          <a:lnRef idx="1">
+            <a:schemeClr val="accent1"/>
+          </a:lnRef>
+          <a:fillRef idx="0">
+            <a:schemeClr val="accent1"/>
+          </a:fillRef>
+          <a:effectRef idx="0">
+            <a:schemeClr val="accent1"/>
+          </a:effectRef>
+          <a:fontRef idx="minor">
+            <a:schemeClr val="tx1"/>
+          </a:fontRef>
+        </p:style>
+      </p:cxnSp>
+      <p:sp>
+        <p:nvSpPr>
+          <p:cNvPr id="9" name="CaixaDeTexto 8"/>
+          <p:cNvSpPr txBox="1"/>
+          <p:nvPr/>
+        </p:nvSpPr>
+        <p:spPr>
+          <a:xfrm>
+            <a:off x="1143000" y="838200"/>
+            <a:ext cx="301686" cy="369332"/>
+          </a:xfrm>
+          <a:prstGeom prst="rect">
+            <a:avLst/>
+          </a:prstGeom>
+          <a:noFill/>
+        </p:spPr>
+        <p:txBody>
+          <a:bodyPr wrap="none" rtlCol="0">
+            <a:spAutoFit/>
+          </a:bodyPr>
+          <a:lstStyle/>
+          <a:p>
+            <a:r>
+              <a:rPr lang="pt-BR" dirty="0" smtClean="0"/>
+              <a:t>$</a:t>
+            </a:r>
+            <a:endParaRPr lang="en-US" dirty="0"/>
+          </a:p>
+        </p:txBody>
+      </p:sp>
+      <p:sp>
+        <p:nvSpPr>
+          <p:cNvPr id="10" name="CaixaDeTexto 9"/>
+          <p:cNvSpPr txBox="1"/>
+          <p:nvPr/>
+        </p:nvSpPr>
+        <p:spPr>
+          <a:xfrm>
+            <a:off x="5943600" y="5029200"/>
+            <a:ext cx="340158" cy="369332"/>
+          </a:xfrm>
+          <a:prstGeom prst="rect">
+            <a:avLst/>
+          </a:prstGeom>
+          <a:noFill/>
+        </p:spPr>
+        <p:txBody>
+          <a:bodyPr wrap="none" rtlCol="0">
+            <a:spAutoFit/>
+          </a:bodyPr>
+          <a:lstStyle/>
+          <a:p>
+            <a:r>
+              <a:rPr lang="pt-BR" dirty="0"/>
+              <a:t>Q</a:t>
+            </a:r>
+            <a:endParaRPr lang="en-US" dirty="0"/>
+          </a:p>
+        </p:txBody>
+      </p:sp>
+      <p:cxnSp>
+        <p:nvCxnSpPr>
+          <p:cNvPr id="14" name="Conector reto 13"/>
+          <p:cNvCxnSpPr/>
+          <p:nvPr/>
+        </p:nvCxnSpPr>
+        <p:spPr>
+          <a:xfrm>
+            <a:off x="2209800" y="1676400"/>
+            <a:ext cx="3276600" cy="3048000"/>
+          </a:xfrm>
+          <a:prstGeom prst="line">
+            <a:avLst/>
+          </a:prstGeom>
+          <a:ln>
+            <a:solidFill>
+              <a:schemeClr val="tx1"/>
+            </a:solidFill>
+          </a:ln>
+        </p:spPr>
+        <p:style>
+          <a:lnRef idx="1">
+            <a:schemeClr val="accent1"/>
+          </a:lnRef>
+          <a:fillRef idx="0">
+            <a:schemeClr val="accent1"/>
+          </a:fillRef>
+          <a:effectRef idx="0">
+            <a:schemeClr val="accent1"/>
+          </a:effectRef>
+          <a:fontRef idx="minor">
+            <a:schemeClr val="tx1"/>
+          </a:fontRef>
+        </p:style>
+      </p:cxnSp>
+      <p:cxnSp>
+        <p:nvCxnSpPr>
+          <p:cNvPr id="16" name="Conector reto 15"/>
+          <p:cNvCxnSpPr/>
+          <p:nvPr/>
+        </p:nvCxnSpPr>
+        <p:spPr>
+          <a:xfrm flipV="1">
+            <a:off x="2133600" y="1524000"/>
+            <a:ext cx="2971800" cy="3200400"/>
+          </a:xfrm>
+          <a:prstGeom prst="line">
+            <a:avLst/>
+          </a:prstGeom>
+          <a:ln w="19050">
+            <a:solidFill>
+              <a:srgbClr val="0070C0"/>
+            </a:solidFill>
+          </a:ln>
+        </p:spPr>
+        <p:style>
+          <a:lnRef idx="1">
+            <a:schemeClr val="accent1"/>
+          </a:lnRef>
+          <a:fillRef idx="0">
+            <a:schemeClr val="accent1"/>
+          </a:fillRef>
+          <a:effectRef idx="0">
+            <a:schemeClr val="accent1"/>
+          </a:effectRef>
+          <a:fontRef idx="minor">
+            <a:schemeClr val="tx1"/>
+          </a:fontRef>
+        </p:style>
+      </p:cxnSp>
+      <p:sp>
+        <p:nvSpPr>
+          <p:cNvPr id="18" name="Seta para a direita 17"/>
+          <p:cNvSpPr/>
+          <p:nvPr/>
+        </p:nvSpPr>
+        <p:spPr>
+          <a:xfrm rot="10800000">
+            <a:off x="2590800" y="3581400"/>
+            <a:ext cx="381000" cy="152400"/>
+          </a:xfrm>
+          <a:prstGeom prst="rightArrow">
+            <a:avLst/>
+          </a:prstGeom>
+        </p:spPr>
+        <p:style>
+          <a:lnRef idx="2">
+            <a:schemeClr val="accent1">
+              <a:shade val="50000"/>
+            </a:schemeClr>
+          </a:lnRef>
+          <a:fillRef idx="1">
+            <a:schemeClr val="accent1"/>
+          </a:fillRef>
+          <a:effectRef idx="0">
+            <a:schemeClr val="accent1"/>
+          </a:effectRef>
+          <a:fontRef idx="minor">
+            <a:schemeClr val="lt1"/>
+          </a:fontRef>
+        </p:style>
+        <p:txBody>
+          <a:bodyPr rtlCol="0" anchor="ctr"/>
+          <a:lstStyle/>
+          <a:p>
+            <a:pPr algn="ctr"/>
+            <a:endParaRPr lang="en-US"/>
+          </a:p>
+        </p:txBody>
+      </p:sp>
+      <p:sp>
+        <p:nvSpPr>
+          <p:cNvPr id="21" name="Elipse 20"/>
+          <p:cNvSpPr/>
+          <p:nvPr/>
+        </p:nvSpPr>
+        <p:spPr>
+          <a:xfrm>
+            <a:off x="3213100" y="2598420"/>
+            <a:ext cx="228600" cy="228600"/>
+          </a:xfrm>
+          <a:prstGeom prst="ellipse">
+            <a:avLst/>
+          </a:prstGeom>
+          <a:noFill/>
+        </p:spPr>
+        <p:style>
+          <a:lnRef idx="2">
+            <a:schemeClr val="accent1">
+              <a:shade val="50000"/>
+            </a:schemeClr>
+          </a:lnRef>
+          <a:fillRef idx="1">
+            <a:schemeClr val="accent1"/>
+          </a:fillRef>
+          <a:effectRef idx="0">
+            <a:schemeClr val="accent1"/>
+          </a:effectRef>
+          <a:fontRef idx="minor">
+            <a:schemeClr val="lt1"/>
+          </a:fontRef>
+        </p:style>
+        <p:txBody>
+          <a:bodyPr rtlCol="0" anchor="ctr"/>
+          <a:lstStyle/>
+          <a:p>
+            <a:pPr algn="ctr"/>
+            <a:endParaRPr lang="en-US" dirty="0">
+              <a:solidFill>
+                <a:schemeClr val="bg1"/>
+              </a:solidFill>
+            </a:endParaRPr>
+          </a:p>
+        </p:txBody>
+      </p:sp>
+      <p:sp>
+        <p:nvSpPr>
+          <p:cNvPr id="22" name="CaixaDeTexto 21"/>
+          <p:cNvSpPr txBox="1"/>
+          <p:nvPr/>
+        </p:nvSpPr>
+        <p:spPr>
+          <a:xfrm>
+            <a:off x="2971800" y="2514600"/>
+            <a:ext cx="306494" cy="369332"/>
+          </a:xfrm>
+          <a:prstGeom prst="rect">
+            <a:avLst/>
+          </a:prstGeom>
+          <a:noFill/>
+        </p:spPr>
+        <p:txBody>
+          <a:bodyPr wrap="none" rtlCol="0">
+            <a:spAutoFit/>
+          </a:bodyPr>
+          <a:lstStyle/>
+          <a:p>
+            <a:r>
+              <a:rPr lang="pt-BR" dirty="0" smtClean="0"/>
+              <a:t>b</a:t>
+            </a:r>
+            <a:endParaRPr lang="en-US" dirty="0"/>
+          </a:p>
+        </p:txBody>
+      </p:sp>
+      <p:sp>
+        <p:nvSpPr>
+          <p:cNvPr id="23" name="Elipse 22"/>
+          <p:cNvSpPr/>
+          <p:nvPr/>
+        </p:nvSpPr>
+        <p:spPr>
+          <a:xfrm>
+            <a:off x="3573780" y="2937510"/>
+            <a:ext cx="236220" cy="228600"/>
+          </a:xfrm>
+          <a:prstGeom prst="ellipse">
+            <a:avLst/>
+          </a:prstGeom>
+          <a:noFill/>
+        </p:spPr>
+        <p:style>
+          <a:lnRef idx="2">
+            <a:schemeClr val="accent1">
+              <a:shade val="50000"/>
+            </a:schemeClr>
+          </a:lnRef>
+          <a:fillRef idx="1">
+            <a:schemeClr val="accent1"/>
+          </a:fillRef>
+          <a:effectRef idx="0">
+            <a:schemeClr val="accent1"/>
+          </a:effectRef>
+          <a:fontRef idx="minor">
+            <a:schemeClr val="lt1"/>
+          </a:fontRef>
+        </p:style>
+        <p:txBody>
+          <a:bodyPr rtlCol="0" anchor="ctr"/>
+          <a:lstStyle/>
+          <a:p>
+            <a:pPr algn="ctr"/>
+            <a:endParaRPr lang="en-US" dirty="0">
+              <a:solidFill>
+                <a:schemeClr val="bg1"/>
+              </a:solidFill>
+            </a:endParaRPr>
+          </a:p>
+        </p:txBody>
+      </p:sp>
+      <p:sp>
+        <p:nvSpPr>
+          <p:cNvPr id="24" name="CaixaDeTexto 23"/>
+          <p:cNvSpPr txBox="1"/>
+          <p:nvPr/>
+        </p:nvSpPr>
+        <p:spPr>
+          <a:xfrm>
+            <a:off x="3352800" y="2895600"/>
+            <a:ext cx="295274" cy="369332"/>
+          </a:xfrm>
+          <a:prstGeom prst="rect">
+            <a:avLst/>
+          </a:prstGeom>
+          <a:noFill/>
+        </p:spPr>
+        <p:txBody>
+          <a:bodyPr wrap="none" rtlCol="0">
+            <a:spAutoFit/>
+          </a:bodyPr>
+          <a:lstStyle/>
+          <a:p>
+            <a:r>
+              <a:rPr lang="pt-BR" dirty="0" smtClean="0"/>
+              <a:t>a</a:t>
+            </a:r>
+            <a:endParaRPr lang="en-US" dirty="0"/>
+          </a:p>
+        </p:txBody>
+      </p:sp>
+      <p:cxnSp>
+        <p:nvCxnSpPr>
+          <p:cNvPr id="33" name="Conector reto 32"/>
+          <p:cNvCxnSpPr/>
+          <p:nvPr/>
+        </p:nvCxnSpPr>
+        <p:spPr>
+          <a:xfrm>
+            <a:off x="3688080" y="1432560"/>
+            <a:ext cx="0" cy="3693160"/>
+          </a:xfrm>
+          <a:prstGeom prst="line">
+            <a:avLst/>
+          </a:prstGeom>
+          <a:ln w="12700">
+            <a:prstDash val="lgDash"/>
+          </a:ln>
+        </p:spPr>
+        <p:style>
+          <a:lnRef idx="1">
+            <a:schemeClr val="accent1"/>
+          </a:lnRef>
+          <a:fillRef idx="0">
+            <a:schemeClr val="accent1"/>
+          </a:fillRef>
+          <a:effectRef idx="0">
+            <a:schemeClr val="accent1"/>
+          </a:effectRef>
+          <a:fontRef idx="minor">
+            <a:schemeClr val="tx1"/>
+          </a:fontRef>
+        </p:style>
+      </p:cxnSp>
+      <p:cxnSp>
+        <p:nvCxnSpPr>
+          <p:cNvPr id="25" name="Conector reto 24"/>
+          <p:cNvCxnSpPr/>
+          <p:nvPr/>
+        </p:nvCxnSpPr>
+        <p:spPr>
+          <a:xfrm flipV="1">
+            <a:off x="1676400" y="1295400"/>
+            <a:ext cx="2971800" cy="3200400"/>
+          </a:xfrm>
+          <a:prstGeom prst="line">
+            <a:avLst/>
+          </a:prstGeom>
+          <a:ln w="19050">
+            <a:solidFill>
+              <a:srgbClr val="FF0000"/>
+            </a:solidFill>
+          </a:ln>
+        </p:spPr>
+        <p:style>
+          <a:lnRef idx="1">
+            <a:schemeClr val="accent1"/>
+          </a:lnRef>
+          <a:fillRef idx="0">
+            <a:schemeClr val="accent1"/>
+          </a:fillRef>
+          <a:effectRef idx="0">
+            <a:schemeClr val="accent1"/>
+          </a:effectRef>
+          <a:fontRef idx="minor">
+            <a:schemeClr val="tx1"/>
+          </a:fontRef>
+        </p:style>
+      </p:cxnSp>
+      <p:sp>
+        <p:nvSpPr>
+          <p:cNvPr id="26" name="Seta para a direita 25"/>
+          <p:cNvSpPr/>
+          <p:nvPr/>
+        </p:nvSpPr>
+        <p:spPr>
+          <a:xfrm rot="10800000">
+            <a:off x="4267200" y="1752600"/>
+            <a:ext cx="381000" cy="152400"/>
+          </a:xfrm>
+          <a:prstGeom prst="rightArrow">
+            <a:avLst/>
+          </a:prstGeom>
+        </p:spPr>
+        <p:style>
+          <a:lnRef idx="2">
+            <a:schemeClr val="accent1">
+              <a:shade val="50000"/>
+            </a:schemeClr>
+          </a:lnRef>
+          <a:fillRef idx="1">
+            <a:schemeClr val="accent1"/>
+          </a:fillRef>
+          <a:effectRef idx="0">
+            <a:schemeClr val="accent1"/>
+          </a:effectRef>
+          <a:fontRef idx="minor">
+            <a:schemeClr val="lt1"/>
+          </a:fontRef>
+        </p:style>
+        <p:txBody>
+          <a:bodyPr rtlCol="0" anchor="ctr"/>
+          <a:lstStyle/>
+          <a:p>
+            <a:pPr algn="ctr"/>
+            <a:endParaRPr lang="en-US"/>
+          </a:p>
+        </p:txBody>
+      </p:sp>
+      <p:cxnSp>
+        <p:nvCxnSpPr>
+          <p:cNvPr id="27" name="Conector reto 26"/>
+          <p:cNvCxnSpPr/>
+          <p:nvPr/>
+        </p:nvCxnSpPr>
+        <p:spPr>
+          <a:xfrm>
+            <a:off x="3329940" y="1440180"/>
+            <a:ext cx="0" cy="3685540"/>
+          </a:xfrm>
+          <a:prstGeom prst="line">
+            <a:avLst/>
+          </a:prstGeom>
+          <a:ln w="12700">
+            <a:prstDash val="lgDash"/>
+          </a:ln>
+        </p:spPr>
+        <p:style>
+          <a:lnRef idx="1">
+            <a:schemeClr val="accent1"/>
+          </a:lnRef>
+          <a:fillRef idx="0">
+            <a:schemeClr val="accent1"/>
+          </a:fillRef>
+          <a:effectRef idx="0">
+            <a:schemeClr val="accent1"/>
+          </a:effectRef>
+          <a:fontRef idx="minor">
+            <a:schemeClr val="tx1"/>
+          </a:fontRef>
+        </p:style>
+      </p:cxnSp>
+      <p:sp>
+        <p:nvSpPr>
+          <p:cNvPr id="28" name="Chave direita 27"/>
+          <p:cNvSpPr/>
+          <p:nvPr/>
+        </p:nvSpPr>
+        <p:spPr>
+          <a:xfrm rot="5400000">
+            <a:off x="3432810" y="5074920"/>
+            <a:ext cx="152400" cy="365760"/>
+          </a:xfrm>
+          <a:prstGeom prst="rightBrace">
+            <a:avLst/>
+          </a:prstGeom>
+        </p:spPr>
+        <p:style>
+          <a:lnRef idx="1">
+            <a:schemeClr val="accent1"/>
+          </a:lnRef>
+          <a:fillRef idx="0">
+            <a:schemeClr val="accent1"/>
+          </a:fillRef>
+          <a:effectRef idx="0">
+            <a:schemeClr val="accent1"/>
+          </a:effectRef>
+          <a:fontRef idx="minor">
+            <a:schemeClr val="tx1"/>
+          </a:fontRef>
+        </p:style>
+        <p:txBody>
+          <a:bodyPr rtlCol="0" anchor="ctr"/>
+          <a:lstStyle/>
+          <a:p>
+            <a:pPr algn="ctr"/>
+            <a:endParaRPr lang="en-US"/>
+          </a:p>
+        </p:txBody>
+      </p:sp>
+      <p:cxnSp>
+        <p:nvCxnSpPr>
+          <p:cNvPr id="34" name="Conector reto 33"/>
+          <p:cNvCxnSpPr/>
+          <p:nvPr/>
+        </p:nvCxnSpPr>
+        <p:spPr>
+          <a:xfrm rot="5400000">
+            <a:off x="3294380" y="896620"/>
+            <a:ext cx="0" cy="3693160"/>
+          </a:xfrm>
+          <a:prstGeom prst="line">
+            <a:avLst/>
+          </a:prstGeom>
+          <a:ln w="12700">
+            <a:prstDash val="lgDash"/>
+          </a:ln>
+        </p:spPr>
+        <p:style>
+          <a:lnRef idx="1">
+            <a:schemeClr val="accent1"/>
+          </a:lnRef>
+          <a:fillRef idx="0">
+            <a:schemeClr val="accent1"/>
+          </a:fillRef>
+          <a:effectRef idx="0">
+            <a:schemeClr val="accent1"/>
+          </a:effectRef>
+          <a:fontRef idx="minor">
+            <a:schemeClr val="tx1"/>
+          </a:fontRef>
+        </p:style>
+      </p:cxnSp>
+      <p:cxnSp>
+        <p:nvCxnSpPr>
+          <p:cNvPr id="35" name="Conector reto 34"/>
+          <p:cNvCxnSpPr/>
+          <p:nvPr/>
+        </p:nvCxnSpPr>
+        <p:spPr>
+          <a:xfrm rot="5400000">
+            <a:off x="3290570" y="1205230"/>
+            <a:ext cx="0" cy="3685540"/>
+          </a:xfrm>
+          <a:prstGeom prst="line">
+            <a:avLst/>
+          </a:prstGeom>
+          <a:ln w="12700">
+            <a:prstDash val="lgDash"/>
+          </a:ln>
+        </p:spPr>
+        <p:style>
+          <a:lnRef idx="1">
+            <a:schemeClr val="accent1"/>
+          </a:lnRef>
+          <a:fillRef idx="0">
+            <a:schemeClr val="accent1"/>
+          </a:fillRef>
+          <a:effectRef idx="0">
+            <a:schemeClr val="accent1"/>
+          </a:effectRef>
+          <a:fontRef idx="minor">
+            <a:schemeClr val="tx1"/>
+          </a:fontRef>
+        </p:style>
+      </p:cxnSp>
+      <p:sp>
+        <p:nvSpPr>
+          <p:cNvPr id="36" name="Chave esquerda 35"/>
+          <p:cNvSpPr/>
+          <p:nvPr/>
+        </p:nvSpPr>
+        <p:spPr>
+          <a:xfrm>
+            <a:off x="1371600" y="2743200"/>
+            <a:ext cx="76200" cy="304800"/>
+          </a:xfrm>
+          <a:prstGeom prst="leftBrace">
+            <a:avLst/>
+          </a:prstGeom>
+        </p:spPr>
+        <p:style>
+          <a:lnRef idx="1">
+            <a:schemeClr val="accent1"/>
+          </a:lnRef>
+          <a:fillRef idx="0">
+            <a:schemeClr val="accent1"/>
+          </a:fillRef>
+          <a:effectRef idx="0">
+            <a:schemeClr val="accent1"/>
+          </a:effectRef>
+          <a:fontRef idx="minor">
+            <a:schemeClr val="tx1"/>
+          </a:fontRef>
+        </p:style>
+        <p:txBody>
+          <a:bodyPr rtlCol="0" anchor="ctr"/>
+          <a:lstStyle/>
+          <a:p>
+            <a:pPr algn="ctr"/>
+            <a:endParaRPr lang="en-US"/>
+          </a:p>
+        </p:txBody>
+      </p:sp>
+      <p:sp>
+        <p:nvSpPr>
+          <p:cNvPr id="37" name="CaixaDeTexto 36"/>
+          <p:cNvSpPr txBox="1"/>
+          <p:nvPr/>
+        </p:nvSpPr>
+        <p:spPr>
+          <a:xfrm>
+            <a:off x="1447800" y="2438400"/>
+            <a:ext cx="423514" cy="369332"/>
+          </a:xfrm>
+          <a:prstGeom prst="rect">
+            <a:avLst/>
+          </a:prstGeom>
+          <a:noFill/>
+        </p:spPr>
+        <p:txBody>
+          <a:bodyPr wrap="none" rtlCol="0">
+            <a:spAutoFit/>
+          </a:bodyPr>
+          <a:lstStyle/>
+          <a:p>
+            <a:r>
+              <a:rPr lang="pt-BR" dirty="0" smtClean="0"/>
+              <a:t>p2</a:t>
+            </a:r>
+            <a:endParaRPr lang="en-US" dirty="0"/>
+          </a:p>
+        </p:txBody>
+      </p:sp>
+      <p:sp>
+        <p:nvSpPr>
+          <p:cNvPr id="38" name="CaixaDeTexto 37"/>
+          <p:cNvSpPr txBox="1"/>
+          <p:nvPr/>
+        </p:nvSpPr>
+        <p:spPr>
+          <a:xfrm>
+            <a:off x="1447800" y="2971800"/>
+            <a:ext cx="423514" cy="369332"/>
+          </a:xfrm>
+          <a:prstGeom prst="rect">
+            <a:avLst/>
+          </a:prstGeom>
+          <a:noFill/>
+        </p:spPr>
+        <p:txBody>
+          <a:bodyPr wrap="none" rtlCol="0">
+            <a:spAutoFit/>
+          </a:bodyPr>
+          <a:lstStyle/>
+          <a:p>
+            <a:r>
+              <a:rPr lang="pt-BR" dirty="0" smtClean="0"/>
+              <a:t>p1</a:t>
+            </a:r>
+            <a:endParaRPr lang="en-US" dirty="0"/>
+          </a:p>
+        </p:txBody>
+      </p:sp>
+      <p:sp>
+        <p:nvSpPr>
+          <p:cNvPr id="39" name="CaixaDeTexto 38"/>
+          <p:cNvSpPr txBox="1"/>
+          <p:nvPr/>
+        </p:nvSpPr>
+        <p:spPr>
+          <a:xfrm>
+            <a:off x="3657600" y="4724400"/>
+            <a:ext cx="423514" cy="369332"/>
+          </a:xfrm>
+          <a:prstGeom prst="rect">
+            <a:avLst/>
+          </a:prstGeom>
+          <a:noFill/>
+        </p:spPr>
+        <p:txBody>
+          <a:bodyPr wrap="none" rtlCol="0">
+            <a:spAutoFit/>
+          </a:bodyPr>
+          <a:lstStyle/>
+          <a:p>
+            <a:r>
+              <a:rPr lang="pt-BR" dirty="0" smtClean="0"/>
+              <a:t>q1</a:t>
+            </a:r>
+            <a:endParaRPr lang="en-US" dirty="0"/>
+          </a:p>
+        </p:txBody>
+      </p:sp>
+      <p:sp>
+        <p:nvSpPr>
+          <p:cNvPr id="40" name="CaixaDeTexto 39"/>
+          <p:cNvSpPr txBox="1"/>
+          <p:nvPr/>
+        </p:nvSpPr>
+        <p:spPr>
+          <a:xfrm>
+            <a:off x="2971800" y="4724400"/>
+            <a:ext cx="423514" cy="369332"/>
+          </a:xfrm>
+          <a:prstGeom prst="rect">
+            <a:avLst/>
+          </a:prstGeom>
+          <a:noFill/>
+        </p:spPr>
+        <p:txBody>
+          <a:bodyPr wrap="none" rtlCol="0">
+            <a:spAutoFit/>
+          </a:bodyPr>
+          <a:lstStyle/>
+          <a:p>
+            <a:r>
+              <a:rPr lang="pt-BR" dirty="0" smtClean="0"/>
+              <a:t>q2</a:t>
+            </a:r>
+            <a:endParaRPr lang="en-US" dirty="0"/>
+          </a:p>
+        </p:txBody>
+      </p:sp>
     </p:spTree>
   </p:cSld>
   <p:clrMapOvr>

--- a/images/graficos.pptx
+++ b/images/graficos.pptx
@@ -10,6 +10,8 @@
     <p:sldId id="258" r:id="rId4"/>
     <p:sldId id="259" r:id="rId5"/>
     <p:sldId id="260" r:id="rId6"/>
+    <p:sldId id="261" r:id="rId7"/>
+    <p:sldId id="262" r:id="rId8"/>
   </p:sldIdLst>
   <p:sldSz cx="9144000" cy="6858000" type="screen4x3"/>
   <p:notesSz cx="6858000" cy="9144000"/>
@@ -108,6 +110,22 @@
       </a:defRPr>
     </a:lvl9pPr>
   </p:defaultTextStyle>
+  <p:extLst>
+    <p:ext uri="{EFAFB233-063F-42B5-8137-9DF3F51BA10A}">
+      <p15:sldGuideLst xmlns:p15="http://schemas.microsoft.com/office/powerpoint/2012/main">
+        <p15:guide id="1" orient="horz" pos="2160">
+          <p15:clr>
+            <a:srgbClr val="A4A3A4"/>
+          </p15:clr>
+        </p15:guide>
+        <p15:guide id="2" pos="2880">
+          <p15:clr>
+            <a:srgbClr val="A4A3A4"/>
+          </p15:clr>
+        </p15:guide>
+      </p15:sldGuideLst>
+    </p:ext>
+  </p:extLst>
 </p:presentation>
 </file>
 
@@ -149,7 +167,7 @@
           <a:lstStyle/>
           <a:p>
             <a:r>
-              <a:rPr lang="pt-BR" smtClean="0"/>
+              <a:rPr lang="pt-BR"/>
               <a:t>Clique para editar o estilo do título mestre</a:t>
             </a:r>
             <a:endParaRPr lang="en-US"/>
@@ -268,7 +286,7 @@
           </a:lstStyle>
           <a:p>
             <a:r>
-              <a:rPr lang="pt-BR" smtClean="0"/>
+              <a:rPr lang="pt-BR"/>
               <a:t>Clique para editar o estilo do subtítulo mestre</a:t>
             </a:r>
             <a:endParaRPr lang="en-US"/>
@@ -292,7 +310,7 @@
           <a:p>
             <a:fld id="{76E1B9CC-CBC4-45F6-B962-44AB1641F67B}" type="datetimeFigureOut">
               <a:rPr lang="en-US" smtClean="0"/>
-              <a:t>2022-05-29</a:t>
+              <a:t>7/21/2022</a:t>
             </a:fld>
             <a:endParaRPr lang="en-US"/>
           </a:p>
@@ -381,7 +399,7 @@
           <a:lstStyle/>
           <a:p>
             <a:r>
-              <a:rPr lang="pt-BR" smtClean="0"/>
+              <a:rPr lang="pt-BR"/>
               <a:t>Clique para editar o estilo do título mestre</a:t>
             </a:r>
             <a:endParaRPr lang="en-US"/>
@@ -405,35 +423,35 @@
           <a:p>
             <a:pPr lvl="0"/>
             <a:r>
-              <a:rPr lang="pt-BR" smtClean="0"/>
+              <a:rPr lang="pt-BR"/>
               <a:t>Clique para editar os estilos do texto mestre</a:t>
             </a:r>
           </a:p>
           <a:p>
             <a:pPr lvl="1"/>
             <a:r>
-              <a:rPr lang="pt-BR" smtClean="0"/>
+              <a:rPr lang="pt-BR"/>
               <a:t>Segundo nível</a:t>
             </a:r>
           </a:p>
           <a:p>
             <a:pPr lvl="2"/>
             <a:r>
-              <a:rPr lang="pt-BR" smtClean="0"/>
+              <a:rPr lang="pt-BR"/>
               <a:t>Terceiro nível</a:t>
             </a:r>
           </a:p>
           <a:p>
             <a:pPr lvl="3"/>
             <a:r>
-              <a:rPr lang="pt-BR" smtClean="0"/>
+              <a:rPr lang="pt-BR"/>
               <a:t>Quarto nível</a:t>
             </a:r>
           </a:p>
           <a:p>
             <a:pPr lvl="4"/>
             <a:r>
-              <a:rPr lang="pt-BR" smtClean="0"/>
+              <a:rPr lang="pt-BR"/>
               <a:t>Quinto nível</a:t>
             </a:r>
             <a:endParaRPr lang="en-US"/>
@@ -457,7 +475,7 @@
           <a:p>
             <a:fld id="{76E1B9CC-CBC4-45F6-B962-44AB1641F67B}" type="datetimeFigureOut">
               <a:rPr lang="en-US" smtClean="0"/>
-              <a:t>2022-05-29</a:t>
+              <a:t>7/21/2022</a:t>
             </a:fld>
             <a:endParaRPr lang="en-US"/>
           </a:p>
@@ -551,7 +569,7 @@
           <a:lstStyle/>
           <a:p>
             <a:r>
-              <a:rPr lang="pt-BR" smtClean="0"/>
+              <a:rPr lang="pt-BR"/>
               <a:t>Clique para editar o estilo do título mestre</a:t>
             </a:r>
             <a:endParaRPr lang="en-US"/>
@@ -580,35 +598,35 @@
           <a:p>
             <a:pPr lvl="0"/>
             <a:r>
-              <a:rPr lang="pt-BR" smtClean="0"/>
+              <a:rPr lang="pt-BR"/>
               <a:t>Clique para editar os estilos do texto mestre</a:t>
             </a:r>
           </a:p>
           <a:p>
             <a:pPr lvl="1"/>
             <a:r>
-              <a:rPr lang="pt-BR" smtClean="0"/>
+              <a:rPr lang="pt-BR"/>
               <a:t>Segundo nível</a:t>
             </a:r>
           </a:p>
           <a:p>
             <a:pPr lvl="2"/>
             <a:r>
-              <a:rPr lang="pt-BR" smtClean="0"/>
+              <a:rPr lang="pt-BR"/>
               <a:t>Terceiro nível</a:t>
             </a:r>
           </a:p>
           <a:p>
             <a:pPr lvl="3"/>
             <a:r>
-              <a:rPr lang="pt-BR" smtClean="0"/>
+              <a:rPr lang="pt-BR"/>
               <a:t>Quarto nível</a:t>
             </a:r>
           </a:p>
           <a:p>
             <a:pPr lvl="4"/>
             <a:r>
-              <a:rPr lang="pt-BR" smtClean="0"/>
+              <a:rPr lang="pt-BR"/>
               <a:t>Quinto nível</a:t>
             </a:r>
             <a:endParaRPr lang="en-US"/>
@@ -632,7 +650,7 @@
           <a:p>
             <a:fld id="{76E1B9CC-CBC4-45F6-B962-44AB1641F67B}" type="datetimeFigureOut">
               <a:rPr lang="en-US" smtClean="0"/>
-              <a:t>2022-05-29</a:t>
+              <a:t>7/21/2022</a:t>
             </a:fld>
             <a:endParaRPr lang="en-US"/>
           </a:p>
@@ -721,7 +739,7 @@
           <a:lstStyle/>
           <a:p>
             <a:r>
-              <a:rPr lang="pt-BR" smtClean="0"/>
+              <a:rPr lang="pt-BR"/>
               <a:t>Clique para editar o estilo do título mestre</a:t>
             </a:r>
             <a:endParaRPr lang="en-US"/>
@@ -745,35 +763,35 @@
           <a:p>
             <a:pPr lvl="0"/>
             <a:r>
-              <a:rPr lang="pt-BR" smtClean="0"/>
+              <a:rPr lang="pt-BR"/>
               <a:t>Clique para editar os estilos do texto mestre</a:t>
             </a:r>
           </a:p>
           <a:p>
             <a:pPr lvl="1"/>
             <a:r>
-              <a:rPr lang="pt-BR" smtClean="0"/>
+              <a:rPr lang="pt-BR"/>
               <a:t>Segundo nível</a:t>
             </a:r>
           </a:p>
           <a:p>
             <a:pPr lvl="2"/>
             <a:r>
-              <a:rPr lang="pt-BR" smtClean="0"/>
+              <a:rPr lang="pt-BR"/>
               <a:t>Terceiro nível</a:t>
             </a:r>
           </a:p>
           <a:p>
             <a:pPr lvl="3"/>
             <a:r>
-              <a:rPr lang="pt-BR" smtClean="0"/>
+              <a:rPr lang="pt-BR"/>
               <a:t>Quarto nível</a:t>
             </a:r>
           </a:p>
           <a:p>
             <a:pPr lvl="4"/>
             <a:r>
-              <a:rPr lang="pt-BR" smtClean="0"/>
+              <a:rPr lang="pt-BR"/>
               <a:t>Quinto nível</a:t>
             </a:r>
             <a:endParaRPr lang="en-US"/>
@@ -797,7 +815,7 @@
           <a:p>
             <a:fld id="{76E1B9CC-CBC4-45F6-B962-44AB1641F67B}" type="datetimeFigureOut">
               <a:rPr lang="en-US" smtClean="0"/>
-              <a:t>2022-05-29</a:t>
+              <a:t>7/21/2022</a:t>
             </a:fld>
             <a:endParaRPr lang="en-US"/>
           </a:p>
@@ -895,7 +913,7 @@
           </a:lstStyle>
           <a:p>
             <a:r>
-              <a:rPr lang="pt-BR" smtClean="0"/>
+              <a:rPr lang="pt-BR"/>
               <a:t>Clique para editar o estilo do título mestre</a:t>
             </a:r>
             <a:endParaRPr lang="en-US"/>
@@ -1015,7 +1033,7 @@
           <a:p>
             <a:pPr lvl="0"/>
             <a:r>
-              <a:rPr lang="pt-BR" smtClean="0"/>
+              <a:rPr lang="pt-BR"/>
               <a:t>Clique para editar os estilos do texto mestre</a:t>
             </a:r>
           </a:p>
@@ -1038,7 +1056,7 @@
           <a:p>
             <a:fld id="{76E1B9CC-CBC4-45F6-B962-44AB1641F67B}" type="datetimeFigureOut">
               <a:rPr lang="en-US" smtClean="0"/>
-              <a:t>2022-05-29</a:t>
+              <a:t>7/21/2022</a:t>
             </a:fld>
             <a:endParaRPr lang="en-US"/>
           </a:p>
@@ -1127,7 +1145,7 @@
           <a:lstStyle/>
           <a:p>
             <a:r>
-              <a:rPr lang="pt-BR" smtClean="0"/>
+              <a:rPr lang="pt-BR"/>
               <a:t>Clique para editar o estilo do título mestre</a:t>
             </a:r>
             <a:endParaRPr lang="en-US"/>
@@ -1184,35 +1202,35 @@
           <a:p>
             <a:pPr lvl="0"/>
             <a:r>
-              <a:rPr lang="pt-BR" smtClean="0"/>
+              <a:rPr lang="pt-BR"/>
               <a:t>Clique para editar os estilos do texto mestre</a:t>
             </a:r>
           </a:p>
           <a:p>
             <a:pPr lvl="1"/>
             <a:r>
-              <a:rPr lang="pt-BR" smtClean="0"/>
+              <a:rPr lang="pt-BR"/>
               <a:t>Segundo nível</a:t>
             </a:r>
           </a:p>
           <a:p>
             <a:pPr lvl="2"/>
             <a:r>
-              <a:rPr lang="pt-BR" smtClean="0"/>
+              <a:rPr lang="pt-BR"/>
               <a:t>Terceiro nível</a:t>
             </a:r>
           </a:p>
           <a:p>
             <a:pPr lvl="3"/>
             <a:r>
-              <a:rPr lang="pt-BR" smtClean="0"/>
+              <a:rPr lang="pt-BR"/>
               <a:t>Quarto nível</a:t>
             </a:r>
           </a:p>
           <a:p>
             <a:pPr lvl="4"/>
             <a:r>
-              <a:rPr lang="pt-BR" smtClean="0"/>
+              <a:rPr lang="pt-BR"/>
               <a:t>Quinto nível</a:t>
             </a:r>
             <a:endParaRPr lang="en-US"/>
@@ -1269,35 +1287,35 @@
           <a:p>
             <a:pPr lvl="0"/>
             <a:r>
-              <a:rPr lang="pt-BR" smtClean="0"/>
+              <a:rPr lang="pt-BR"/>
               <a:t>Clique para editar os estilos do texto mestre</a:t>
             </a:r>
           </a:p>
           <a:p>
             <a:pPr lvl="1"/>
             <a:r>
-              <a:rPr lang="pt-BR" smtClean="0"/>
+              <a:rPr lang="pt-BR"/>
               <a:t>Segundo nível</a:t>
             </a:r>
           </a:p>
           <a:p>
             <a:pPr lvl="2"/>
             <a:r>
-              <a:rPr lang="pt-BR" smtClean="0"/>
+              <a:rPr lang="pt-BR"/>
               <a:t>Terceiro nível</a:t>
             </a:r>
           </a:p>
           <a:p>
             <a:pPr lvl="3"/>
             <a:r>
-              <a:rPr lang="pt-BR" smtClean="0"/>
+              <a:rPr lang="pt-BR"/>
               <a:t>Quarto nível</a:t>
             </a:r>
           </a:p>
           <a:p>
             <a:pPr lvl="4"/>
             <a:r>
-              <a:rPr lang="pt-BR" smtClean="0"/>
+              <a:rPr lang="pt-BR"/>
               <a:t>Quinto nível</a:t>
             </a:r>
             <a:endParaRPr lang="en-US"/>
@@ -1321,7 +1339,7 @@
           <a:p>
             <a:fld id="{76E1B9CC-CBC4-45F6-B962-44AB1641F67B}" type="datetimeFigureOut">
               <a:rPr lang="en-US" smtClean="0"/>
-              <a:t>2022-05-29</a:t>
+              <a:t>7/21/2022</a:t>
             </a:fld>
             <a:endParaRPr lang="en-US"/>
           </a:p>
@@ -1414,7 +1432,7 @@
           </a:lstStyle>
           <a:p>
             <a:r>
-              <a:rPr lang="pt-BR" smtClean="0"/>
+              <a:rPr lang="pt-BR"/>
               <a:t>Clique para editar o estilo do título mestre</a:t>
             </a:r>
             <a:endParaRPr lang="en-US"/>
@@ -1480,7 +1498,7 @@
           <a:p>
             <a:pPr lvl="0"/>
             <a:r>
-              <a:rPr lang="pt-BR" smtClean="0"/>
+              <a:rPr lang="pt-BR"/>
               <a:t>Clique para editar os estilos do texto mestre</a:t>
             </a:r>
           </a:p>
@@ -1536,35 +1554,35 @@
           <a:p>
             <a:pPr lvl="0"/>
             <a:r>
-              <a:rPr lang="pt-BR" smtClean="0"/>
+              <a:rPr lang="pt-BR"/>
               <a:t>Clique para editar os estilos do texto mestre</a:t>
             </a:r>
           </a:p>
           <a:p>
             <a:pPr lvl="1"/>
             <a:r>
-              <a:rPr lang="pt-BR" smtClean="0"/>
+              <a:rPr lang="pt-BR"/>
               <a:t>Segundo nível</a:t>
             </a:r>
           </a:p>
           <a:p>
             <a:pPr lvl="2"/>
             <a:r>
-              <a:rPr lang="pt-BR" smtClean="0"/>
+              <a:rPr lang="pt-BR"/>
               <a:t>Terceiro nível</a:t>
             </a:r>
           </a:p>
           <a:p>
             <a:pPr lvl="3"/>
             <a:r>
-              <a:rPr lang="pt-BR" smtClean="0"/>
+              <a:rPr lang="pt-BR"/>
               <a:t>Quarto nível</a:t>
             </a:r>
           </a:p>
           <a:p>
             <a:pPr lvl="4"/>
             <a:r>
-              <a:rPr lang="pt-BR" smtClean="0"/>
+              <a:rPr lang="pt-BR"/>
               <a:t>Quinto nível</a:t>
             </a:r>
             <a:endParaRPr lang="en-US"/>
@@ -1630,7 +1648,7 @@
           <a:p>
             <a:pPr lvl="0"/>
             <a:r>
-              <a:rPr lang="pt-BR" smtClean="0"/>
+              <a:rPr lang="pt-BR"/>
               <a:t>Clique para editar os estilos do texto mestre</a:t>
             </a:r>
           </a:p>
@@ -1686,35 +1704,35 @@
           <a:p>
             <a:pPr lvl="0"/>
             <a:r>
-              <a:rPr lang="pt-BR" smtClean="0"/>
+              <a:rPr lang="pt-BR"/>
               <a:t>Clique para editar os estilos do texto mestre</a:t>
             </a:r>
           </a:p>
           <a:p>
             <a:pPr lvl="1"/>
             <a:r>
-              <a:rPr lang="pt-BR" smtClean="0"/>
+              <a:rPr lang="pt-BR"/>
               <a:t>Segundo nível</a:t>
             </a:r>
           </a:p>
           <a:p>
             <a:pPr lvl="2"/>
             <a:r>
-              <a:rPr lang="pt-BR" smtClean="0"/>
+              <a:rPr lang="pt-BR"/>
               <a:t>Terceiro nível</a:t>
             </a:r>
           </a:p>
           <a:p>
             <a:pPr lvl="3"/>
             <a:r>
-              <a:rPr lang="pt-BR" smtClean="0"/>
+              <a:rPr lang="pt-BR"/>
               <a:t>Quarto nível</a:t>
             </a:r>
           </a:p>
           <a:p>
             <a:pPr lvl="4"/>
             <a:r>
-              <a:rPr lang="pt-BR" smtClean="0"/>
+              <a:rPr lang="pt-BR"/>
               <a:t>Quinto nível</a:t>
             </a:r>
             <a:endParaRPr lang="en-US"/>
@@ -1738,7 +1756,7 @@
           <a:p>
             <a:fld id="{76E1B9CC-CBC4-45F6-B962-44AB1641F67B}" type="datetimeFigureOut">
               <a:rPr lang="en-US" smtClean="0"/>
-              <a:t>2022-05-29</a:t>
+              <a:t>7/21/2022</a:t>
             </a:fld>
             <a:endParaRPr lang="en-US"/>
           </a:p>
@@ -1827,7 +1845,7 @@
           <a:lstStyle/>
           <a:p>
             <a:r>
-              <a:rPr lang="pt-BR" smtClean="0"/>
+              <a:rPr lang="pt-BR"/>
               <a:t>Clique para editar o estilo do título mestre</a:t>
             </a:r>
             <a:endParaRPr lang="en-US"/>
@@ -1851,7 +1869,7 @@
           <a:p>
             <a:fld id="{76E1B9CC-CBC4-45F6-B962-44AB1641F67B}" type="datetimeFigureOut">
               <a:rPr lang="en-US" smtClean="0"/>
-              <a:t>2022-05-29</a:t>
+              <a:t>7/21/2022</a:t>
             </a:fld>
             <a:endParaRPr lang="en-US"/>
           </a:p>
@@ -1941,7 +1959,7 @@
           <a:p>
             <a:fld id="{76E1B9CC-CBC4-45F6-B962-44AB1641F67B}" type="datetimeFigureOut">
               <a:rPr lang="en-US" smtClean="0"/>
-              <a:t>2022-05-29</a:t>
+              <a:t>7/21/2022</a:t>
             </a:fld>
             <a:endParaRPr lang="en-US"/>
           </a:p>
@@ -2039,7 +2057,7 @@
           </a:lstStyle>
           <a:p>
             <a:r>
-              <a:rPr lang="pt-BR" smtClean="0"/>
+              <a:rPr lang="pt-BR"/>
               <a:t>Clique para editar o estilo do título mestre</a:t>
             </a:r>
             <a:endParaRPr lang="en-US"/>
@@ -2096,35 +2114,35 @@
           <a:p>
             <a:pPr lvl="0"/>
             <a:r>
-              <a:rPr lang="pt-BR" smtClean="0"/>
+              <a:rPr lang="pt-BR"/>
               <a:t>Clique para editar os estilos do texto mestre</a:t>
             </a:r>
           </a:p>
           <a:p>
             <a:pPr lvl="1"/>
             <a:r>
-              <a:rPr lang="pt-BR" smtClean="0"/>
+              <a:rPr lang="pt-BR"/>
               <a:t>Segundo nível</a:t>
             </a:r>
           </a:p>
           <a:p>
             <a:pPr lvl="2"/>
             <a:r>
-              <a:rPr lang="pt-BR" smtClean="0"/>
+              <a:rPr lang="pt-BR"/>
               <a:t>Terceiro nível</a:t>
             </a:r>
           </a:p>
           <a:p>
             <a:pPr lvl="3"/>
             <a:r>
-              <a:rPr lang="pt-BR" smtClean="0"/>
+              <a:rPr lang="pt-BR"/>
               <a:t>Quarto nível</a:t>
             </a:r>
           </a:p>
           <a:p>
             <a:pPr lvl="4"/>
             <a:r>
-              <a:rPr lang="pt-BR" smtClean="0"/>
+              <a:rPr lang="pt-BR"/>
               <a:t>Quinto nível</a:t>
             </a:r>
             <a:endParaRPr lang="en-US"/>
@@ -2190,7 +2208,7 @@
           <a:p>
             <a:pPr lvl="0"/>
             <a:r>
-              <a:rPr lang="pt-BR" smtClean="0"/>
+              <a:rPr lang="pt-BR"/>
               <a:t>Clique para editar os estilos do texto mestre</a:t>
             </a:r>
           </a:p>
@@ -2213,7 +2231,7 @@
           <a:p>
             <a:fld id="{76E1B9CC-CBC4-45F6-B962-44AB1641F67B}" type="datetimeFigureOut">
               <a:rPr lang="en-US" smtClean="0"/>
-              <a:t>2022-05-29</a:t>
+              <a:t>7/21/2022</a:t>
             </a:fld>
             <a:endParaRPr lang="en-US"/>
           </a:p>
@@ -2311,7 +2329,7 @@
           </a:lstStyle>
           <a:p>
             <a:r>
-              <a:rPr lang="pt-BR" smtClean="0"/>
+              <a:rPr lang="pt-BR"/>
               <a:t>Clique para editar o estilo do título mestre</a:t>
             </a:r>
             <a:endParaRPr lang="en-US"/>
@@ -2438,7 +2456,7 @@
           <a:p>
             <a:pPr lvl="0"/>
             <a:r>
-              <a:rPr lang="pt-BR" smtClean="0"/>
+              <a:rPr lang="pt-BR"/>
               <a:t>Clique para editar os estilos do texto mestre</a:t>
             </a:r>
           </a:p>
@@ -2461,7 +2479,7 @@
           <a:p>
             <a:fld id="{76E1B9CC-CBC4-45F6-B962-44AB1641F67B}" type="datetimeFigureOut">
               <a:rPr lang="en-US" smtClean="0"/>
-              <a:t>2022-05-29</a:t>
+              <a:t>7/21/2022</a:t>
             </a:fld>
             <a:endParaRPr lang="en-US"/>
           </a:p>
@@ -2565,7 +2583,7 @@
           <a:lstStyle/>
           <a:p>
             <a:r>
-              <a:rPr lang="pt-BR" smtClean="0"/>
+              <a:rPr lang="pt-BR"/>
               <a:t>Clique para editar o estilo do título mestre</a:t>
             </a:r>
             <a:endParaRPr lang="en-US"/>
@@ -2599,35 +2617,35 @@
           <a:p>
             <a:pPr lvl="0"/>
             <a:r>
-              <a:rPr lang="pt-BR" smtClean="0"/>
+              <a:rPr lang="pt-BR"/>
               <a:t>Clique para editar os estilos do texto mestre</a:t>
             </a:r>
           </a:p>
           <a:p>
             <a:pPr lvl="1"/>
             <a:r>
-              <a:rPr lang="pt-BR" smtClean="0"/>
+              <a:rPr lang="pt-BR"/>
               <a:t>Segundo nível</a:t>
             </a:r>
           </a:p>
           <a:p>
             <a:pPr lvl="2"/>
             <a:r>
-              <a:rPr lang="pt-BR" smtClean="0"/>
+              <a:rPr lang="pt-BR"/>
               <a:t>Terceiro nível</a:t>
             </a:r>
           </a:p>
           <a:p>
             <a:pPr lvl="3"/>
             <a:r>
-              <a:rPr lang="pt-BR" smtClean="0"/>
+              <a:rPr lang="pt-BR"/>
               <a:t>Quarto nível</a:t>
             </a:r>
           </a:p>
           <a:p>
             <a:pPr lvl="4"/>
             <a:r>
-              <a:rPr lang="pt-BR" smtClean="0"/>
+              <a:rPr lang="pt-BR"/>
               <a:t>Quinto nível</a:t>
             </a:r>
             <a:endParaRPr lang="en-US"/>
@@ -2669,7 +2687,7 @@
           <a:p>
             <a:fld id="{76E1B9CC-CBC4-45F6-B962-44AB1641F67B}" type="datetimeFigureOut">
               <a:rPr lang="en-US" smtClean="0"/>
-              <a:t>2022-05-29</a:t>
+              <a:t>7/21/2022</a:t>
             </a:fld>
             <a:endParaRPr lang="en-US"/>
           </a:p>
@@ -3197,7 +3215,7 @@
           <a:lstStyle/>
           <a:p>
             <a:r>
-              <a:rPr lang="pt-BR" dirty="0" smtClean="0"/>
+              <a:rPr lang="pt-BR" dirty="0"/>
               <a:t>$</a:t>
             </a:r>
             <a:endParaRPr lang="en-US" dirty="0"/>
@@ -3487,7 +3505,7 @@
           <a:lstStyle/>
           <a:p>
             <a:r>
-              <a:rPr lang="pt-BR" dirty="0" smtClean="0"/>
+              <a:rPr lang="pt-BR" dirty="0"/>
               <a:t>b</a:t>
             </a:r>
             <a:endParaRPr lang="en-US" dirty="0"/>
@@ -3562,7 +3580,7 @@
           <a:lstStyle/>
           <a:p>
             <a:r>
-              <a:rPr lang="pt-BR" dirty="0" smtClean="0"/>
+              <a:rPr lang="pt-BR" dirty="0"/>
               <a:t>a</a:t>
             </a:r>
             <a:endParaRPr lang="en-US" dirty="0"/>
@@ -3722,7 +3740,7 @@
           <a:lstStyle/>
           <a:p>
             <a:r>
-              <a:rPr lang="pt-BR" dirty="0" smtClean="0"/>
+              <a:rPr lang="pt-BR" dirty="0"/>
               <a:t>$</a:t>
             </a:r>
             <a:endParaRPr lang="en-US" dirty="0"/>
@@ -4012,7 +4030,7 @@
           <a:lstStyle/>
           <a:p>
             <a:r>
-              <a:rPr lang="pt-BR" dirty="0" smtClean="0"/>
+              <a:rPr lang="pt-BR" dirty="0"/>
               <a:t>b</a:t>
             </a:r>
             <a:endParaRPr lang="en-US" dirty="0"/>
@@ -4087,7 +4105,7 @@
           <a:lstStyle/>
           <a:p>
             <a:r>
-              <a:rPr lang="pt-BR" dirty="0" smtClean="0"/>
+              <a:rPr lang="pt-BR" dirty="0"/>
               <a:t>a</a:t>
             </a:r>
             <a:endParaRPr lang="en-US" dirty="0"/>
@@ -4197,7 +4215,7 @@
           <a:lstStyle/>
           <a:p>
             <a:r>
-              <a:rPr lang="pt-BR" dirty="0" smtClean="0"/>
+              <a:rPr lang="pt-BR" dirty="0"/>
               <a:t>c</a:t>
             </a:r>
             <a:endParaRPr lang="en-US" dirty="0"/>
@@ -4415,7 +4433,7 @@
           <a:lstStyle/>
           <a:p>
             <a:r>
-              <a:rPr lang="pt-BR" dirty="0" smtClean="0"/>
+              <a:rPr lang="pt-BR" dirty="0"/>
               <a:t>$</a:t>
             </a:r>
             <a:endParaRPr lang="en-US" dirty="0"/>
@@ -4630,7 +4648,7 @@
           <a:lstStyle/>
           <a:p>
             <a:r>
-              <a:rPr lang="pt-BR" dirty="0" smtClean="0"/>
+              <a:rPr lang="pt-BR" dirty="0"/>
               <a:t>b</a:t>
             </a:r>
             <a:endParaRPr lang="en-US" dirty="0"/>
@@ -4705,7 +4723,7 @@
           <a:lstStyle/>
           <a:p>
             <a:r>
-              <a:rPr lang="pt-BR" dirty="0" smtClean="0"/>
+              <a:rPr lang="pt-BR" dirty="0"/>
               <a:t>a</a:t>
             </a:r>
             <a:endParaRPr lang="en-US" dirty="0"/>
@@ -5018,7 +5036,7 @@
           <a:lstStyle/>
           <a:p>
             <a:r>
-              <a:rPr lang="pt-BR" dirty="0" smtClean="0"/>
+              <a:rPr lang="pt-BR" dirty="0"/>
               <a:t>p2</a:t>
             </a:r>
             <a:endParaRPr lang="en-US" dirty="0"/>
@@ -5048,7 +5066,7 @@
           <a:lstStyle/>
           <a:p>
             <a:r>
-              <a:rPr lang="pt-BR" dirty="0" smtClean="0"/>
+              <a:rPr lang="pt-BR" dirty="0"/>
               <a:t>p1</a:t>
             </a:r>
             <a:endParaRPr lang="en-US" dirty="0"/>
@@ -5078,7 +5096,7 @@
           <a:lstStyle/>
           <a:p>
             <a:r>
-              <a:rPr lang="pt-BR" dirty="0" smtClean="0"/>
+              <a:rPr lang="pt-BR" dirty="0"/>
               <a:t>q1</a:t>
             </a:r>
             <a:endParaRPr lang="en-US" dirty="0"/>
@@ -5108,7 +5126,7 @@
           <a:lstStyle/>
           <a:p>
             <a:r>
-              <a:rPr lang="pt-BR" dirty="0" smtClean="0"/>
+              <a:rPr lang="pt-BR" dirty="0"/>
               <a:t>q2</a:t>
             </a:r>
             <a:endParaRPr lang="en-US" dirty="0"/>
@@ -5116,6 +5134,1116 @@
         </p:txBody>
       </p:sp>
     </p:spTree>
+  </p:cSld>
+  <p:clrMapOvr>
+    <a:masterClrMapping/>
+  </p:clrMapOvr>
+</p:sld>
+</file>
+
+<file path=ppt/slides/slide6.xml><?xml version="1.0" encoding="utf-8"?>
+<p:sld xmlns:a="http://schemas.openxmlformats.org/drawingml/2006/main" xmlns:r="http://schemas.openxmlformats.org/officeDocument/2006/relationships" xmlns:p="http://schemas.openxmlformats.org/presentationml/2006/main">
+  <p:cSld>
+    <p:spTree>
+      <p:nvGrpSpPr>
+        <p:cNvPr id="1" name=""/>
+        <p:cNvGrpSpPr/>
+        <p:nvPr/>
+      </p:nvGrpSpPr>
+      <p:grpSpPr>
+        <a:xfrm>
+          <a:off x="0" y="0"/>
+          <a:ext cx="0" cy="0"/>
+          <a:chOff x="0" y="0"/>
+          <a:chExt cx="0" cy="0"/>
+        </a:xfrm>
+      </p:grpSpPr>
+      <p:pic>
+        <p:nvPicPr>
+          <p:cNvPr id="32" name="Espaço Reservado para Conteúdo 4" descr="Gráfico, Gráfico de linhas&#10;&#10;Descrição gerada automaticamente">
+            <a:extLst>
+              <a:ext uri="{FF2B5EF4-FFF2-40B4-BE49-F238E27FC236}">
+                <a16:creationId xmlns:a16="http://schemas.microsoft.com/office/drawing/2014/main" id="{A0B5BBC3-A9A8-4426-8CAA-806F96B86C2F}"/>
+              </a:ext>
+            </a:extLst>
+          </p:cNvPr>
+          <p:cNvPicPr>
+            <a:picLocks noGrp="1" noChangeAspect="1"/>
+          </p:cNvPicPr>
+          <p:nvPr>
+            <p:ph idx="1"/>
+          </p:nvPr>
+        </p:nvPicPr>
+        <p:blipFill>
+          <a:blip r:embed="rId2">
+            <a:extLst>
+              <a:ext uri="{28A0092B-C50C-407E-A947-70E740481C1C}">
+                <a14:useLocalDpi xmlns:a14="http://schemas.microsoft.com/office/drawing/2010/main" val="0"/>
+              </a:ext>
+            </a:extLst>
+          </a:blip>
+          <a:stretch>
+            <a:fillRect/>
+          </a:stretch>
+        </p:blipFill>
+        <p:spPr>
+          <a:xfrm>
+            <a:off x="762000" y="600075"/>
+            <a:ext cx="6662909" cy="5657850"/>
+          </a:xfrm>
+        </p:spPr>
+      </p:pic>
+    </p:spTree>
+    <p:extLst>
+      <p:ext uri="{BB962C8B-B14F-4D97-AF65-F5344CB8AC3E}">
+        <p14:creationId xmlns:p14="http://schemas.microsoft.com/office/powerpoint/2010/main" val="2179610919"/>
+      </p:ext>
+    </p:extLst>
+  </p:cSld>
+  <p:clrMapOvr>
+    <a:masterClrMapping/>
+  </p:clrMapOvr>
+</p:sld>
+</file>
+
+<file path=ppt/slides/slide7.xml><?xml version="1.0" encoding="utf-8"?>
+<p:sld xmlns:a="http://schemas.openxmlformats.org/drawingml/2006/main" xmlns:r="http://schemas.openxmlformats.org/officeDocument/2006/relationships" xmlns:p="http://schemas.openxmlformats.org/presentationml/2006/main">
+  <p:cSld>
+    <p:spTree>
+      <p:nvGrpSpPr>
+        <p:cNvPr id="1" name=""/>
+        <p:cNvGrpSpPr/>
+        <p:nvPr/>
+      </p:nvGrpSpPr>
+      <p:grpSpPr>
+        <a:xfrm>
+          <a:off x="0" y="0"/>
+          <a:ext cx="0" cy="0"/>
+          <a:chOff x="0" y="0"/>
+          <a:chExt cx="0" cy="0"/>
+        </a:xfrm>
+      </p:grpSpPr>
+      <p:grpSp>
+        <p:nvGrpSpPr>
+          <p:cNvPr id="27" name="Agrupar 26">
+            <a:extLst>
+              <a:ext uri="{FF2B5EF4-FFF2-40B4-BE49-F238E27FC236}">
+                <a16:creationId xmlns:a16="http://schemas.microsoft.com/office/drawing/2014/main" id="{B5C26406-E502-4AEA-AB56-7A0FAD1A90F7}"/>
+              </a:ext>
+            </a:extLst>
+          </p:cNvPr>
+          <p:cNvGrpSpPr/>
+          <p:nvPr/>
+        </p:nvGrpSpPr>
+        <p:grpSpPr>
+          <a:xfrm>
+            <a:off x="762000" y="533400"/>
+            <a:ext cx="6757859" cy="5609668"/>
+            <a:chOff x="762000" y="533400"/>
+            <a:chExt cx="6757859" cy="5609668"/>
+          </a:xfrm>
+        </p:grpSpPr>
+        <p:cxnSp>
+          <p:nvCxnSpPr>
+            <p:cNvPr id="16" name="Conector de seta reta 4">
+              <a:extLst>
+                <a:ext uri="{FF2B5EF4-FFF2-40B4-BE49-F238E27FC236}">
+                  <a16:creationId xmlns:a16="http://schemas.microsoft.com/office/drawing/2014/main" id="{4B671C6B-BDF4-4493-B124-F116BF508A0B}"/>
+                </a:ext>
+              </a:extLst>
+            </p:cNvPr>
+            <p:cNvCxnSpPr>
+              <a:cxnSpLocks/>
+            </p:cNvCxnSpPr>
+            <p:nvPr/>
+          </p:nvCxnSpPr>
+          <p:spPr>
+            <a:xfrm>
+              <a:off x="1537866" y="5638062"/>
+              <a:ext cx="5794207" cy="0"/>
+            </a:xfrm>
+            <a:prstGeom prst="straightConnector1">
+              <a:avLst/>
+            </a:prstGeom>
+            <a:ln>
+              <a:solidFill>
+                <a:schemeClr val="tx1"/>
+              </a:solidFill>
+              <a:tailEnd type="arrow"/>
+            </a:ln>
+          </p:spPr>
+          <p:style>
+            <a:lnRef idx="1">
+              <a:schemeClr val="accent1"/>
+            </a:lnRef>
+            <a:fillRef idx="0">
+              <a:schemeClr val="accent1"/>
+            </a:fillRef>
+            <a:effectRef idx="0">
+              <a:schemeClr val="accent1"/>
+            </a:effectRef>
+            <a:fontRef idx="minor">
+              <a:schemeClr val="tx1"/>
+            </a:fontRef>
+          </p:style>
+        </p:cxnSp>
+        <p:cxnSp>
+          <p:nvCxnSpPr>
+            <p:cNvPr id="17" name="Conector de seta reta 6">
+              <a:extLst>
+                <a:ext uri="{FF2B5EF4-FFF2-40B4-BE49-F238E27FC236}">
+                  <a16:creationId xmlns:a16="http://schemas.microsoft.com/office/drawing/2014/main" id="{F04156EC-4C44-4716-881C-2B5BEA2D7604}"/>
+                </a:ext>
+              </a:extLst>
+            </p:cNvPr>
+            <p:cNvCxnSpPr>
+              <a:cxnSpLocks/>
+            </p:cNvCxnSpPr>
+            <p:nvPr/>
+          </p:nvCxnSpPr>
+          <p:spPr>
+            <a:xfrm flipV="1">
+              <a:off x="1537866" y="638635"/>
+              <a:ext cx="0" cy="4999427"/>
+            </a:xfrm>
+            <a:prstGeom prst="straightConnector1">
+              <a:avLst/>
+            </a:prstGeom>
+            <a:ln>
+              <a:solidFill>
+                <a:schemeClr val="tx1"/>
+              </a:solidFill>
+              <a:tailEnd type="arrow"/>
+            </a:ln>
+          </p:spPr>
+          <p:style>
+            <a:lnRef idx="1">
+              <a:schemeClr val="accent1"/>
+            </a:lnRef>
+            <a:fillRef idx="0">
+              <a:schemeClr val="accent1"/>
+            </a:fillRef>
+            <a:effectRef idx="0">
+              <a:schemeClr val="accent1"/>
+            </a:effectRef>
+            <a:fontRef idx="minor">
+              <a:schemeClr val="tx1"/>
+            </a:fontRef>
+          </p:style>
+        </p:cxnSp>
+        <p:sp>
+          <p:nvSpPr>
+            <p:cNvPr id="18" name="CaixaDeTexto 17">
+              <a:extLst>
+                <a:ext uri="{FF2B5EF4-FFF2-40B4-BE49-F238E27FC236}">
+                  <a16:creationId xmlns:a16="http://schemas.microsoft.com/office/drawing/2014/main" id="{4125EB12-35B8-42B7-B717-056259230683}"/>
+                </a:ext>
+              </a:extLst>
+            </p:cNvPr>
+            <p:cNvSpPr txBox="1"/>
+            <p:nvPr/>
+          </p:nvSpPr>
+          <p:spPr>
+            <a:xfrm>
+              <a:off x="762000" y="638635"/>
+              <a:ext cx="938415" cy="369332"/>
+            </a:xfrm>
+            <a:prstGeom prst="rect">
+              <a:avLst/>
+            </a:prstGeom>
+            <a:noFill/>
+          </p:spPr>
+          <p:txBody>
+            <a:bodyPr wrap="square" rtlCol="0">
+              <a:spAutoFit/>
+            </a:bodyPr>
+            <a:lstStyle/>
+            <a:p>
+              <a:r>
+                <a:rPr lang="pt-BR" dirty="0"/>
+                <a:t>Preço</a:t>
+              </a:r>
+              <a:endParaRPr lang="en-US" dirty="0"/>
+            </a:p>
+          </p:txBody>
+        </p:sp>
+        <mc:AlternateContent xmlns:mc="http://schemas.openxmlformats.org/markup-compatibility/2006">
+          <mc:Choice xmlns:a14="http://schemas.microsoft.com/office/drawing/2010/main" Requires="a14">
+            <p:sp>
+              <p:nvSpPr>
+                <p:cNvPr id="19" name="CaixaDeTexto 18">
+                  <a:extLst>
+                    <a:ext uri="{FF2B5EF4-FFF2-40B4-BE49-F238E27FC236}">
+                      <a16:creationId xmlns:a16="http://schemas.microsoft.com/office/drawing/2014/main" id="{C47A7D71-847B-4DE8-90A0-1F1CE5CF3760}"/>
+                    </a:ext>
+                  </a:extLst>
+                </p:cNvPr>
+                <p:cNvSpPr txBox="1"/>
+                <p:nvPr/>
+              </p:nvSpPr>
+              <p:spPr>
+                <a:xfrm>
+                  <a:off x="4454998" y="5657007"/>
+                  <a:ext cx="493084" cy="369332"/>
+                </a:xfrm>
+                <a:prstGeom prst="rect">
+                  <a:avLst/>
+                </a:prstGeom>
+                <a:noFill/>
+              </p:spPr>
+              <p:txBody>
+                <a:bodyPr wrap="none" rtlCol="0">
+                  <a:spAutoFit/>
+                </a:bodyPr>
+                <a:lstStyle/>
+                <a:p>
+                  <a14:m>
+                    <m:oMathPara xmlns:m="http://schemas.openxmlformats.org/officeDocument/2006/math">
+                      <m:oMathParaPr>
+                        <m:jc m:val="centerGroup"/>
+                      </m:oMathParaPr>
+                      <m:oMath xmlns:m="http://schemas.openxmlformats.org/officeDocument/2006/math">
+                        <m:sSub>
+                          <m:sSubPr>
+                            <m:ctrlPr>
+                              <a:rPr lang="pt-BR" i="1" dirty="0" smtClean="0">
+                                <a:latin typeface="Cambria Math" panose="02040503050406030204" pitchFamily="18" charset="0"/>
+                              </a:rPr>
+                            </m:ctrlPr>
+                          </m:sSubPr>
+                          <m:e>
+                            <m:r>
+                              <a:rPr lang="pt-BR" b="0" i="1" dirty="0" smtClean="0">
+                                <a:latin typeface="Cambria Math" panose="02040503050406030204" pitchFamily="18" charset="0"/>
+                              </a:rPr>
+                              <m:t>𝑄</m:t>
+                            </m:r>
+                          </m:e>
+                          <m:sub>
+                            <m:r>
+                              <a:rPr lang="pt-BR" b="0" i="1" dirty="0" smtClean="0">
+                                <a:latin typeface="Cambria Math" panose="02040503050406030204" pitchFamily="18" charset="0"/>
+                              </a:rPr>
+                              <m:t>0</m:t>
+                            </m:r>
+                          </m:sub>
+                        </m:sSub>
+                      </m:oMath>
+                    </m:oMathPara>
+                  </a14:m>
+                  <a:endParaRPr lang="en-US" dirty="0"/>
+                </a:p>
+              </p:txBody>
+            </p:sp>
+          </mc:Choice>
+          <mc:Fallback>
+            <p:sp>
+              <p:nvSpPr>
+                <p:cNvPr id="19" name="CaixaDeTexto 18">
+                  <a:extLst>
+                    <a:ext uri="{FF2B5EF4-FFF2-40B4-BE49-F238E27FC236}">
+                      <a16:creationId xmlns:a16="http://schemas.microsoft.com/office/drawing/2014/main" id="{C47A7D71-847B-4DE8-90A0-1F1CE5CF3760}"/>
+                    </a:ext>
+                  </a:extLst>
+                </p:cNvPr>
+                <p:cNvSpPr txBox="1">
+                  <a:spLocks noRot="1" noChangeAspect="1" noMove="1" noResize="1" noEditPoints="1" noAdjustHandles="1" noChangeArrowheads="1" noChangeShapeType="1" noTextEdit="1"/>
+                </p:cNvSpPr>
+                <p:nvPr/>
+              </p:nvSpPr>
+              <p:spPr>
+                <a:xfrm>
+                  <a:off x="4454998" y="5657007"/>
+                  <a:ext cx="493084" cy="369332"/>
+                </a:xfrm>
+                <a:prstGeom prst="rect">
+                  <a:avLst/>
+                </a:prstGeom>
+                <a:blipFill>
+                  <a:blip r:embed="rId2"/>
+                  <a:stretch>
+                    <a:fillRect b="-8197"/>
+                  </a:stretch>
+                </a:blipFill>
+              </p:spPr>
+              <p:txBody>
+                <a:bodyPr/>
+                <a:lstStyle/>
+                <a:p>
+                  <a:r>
+                    <a:rPr lang="pt-BR">
+                      <a:noFill/>
+                    </a:rPr>
+                    <a:t> </a:t>
+                  </a:r>
+                </a:p>
+              </p:txBody>
+            </p:sp>
+          </mc:Fallback>
+        </mc:AlternateContent>
+        <p:cxnSp>
+          <p:nvCxnSpPr>
+            <p:cNvPr id="20" name="Conector reto 19">
+              <a:extLst>
+                <a:ext uri="{FF2B5EF4-FFF2-40B4-BE49-F238E27FC236}">
+                  <a16:creationId xmlns:a16="http://schemas.microsoft.com/office/drawing/2014/main" id="{B34CF09C-4804-4442-8720-D95150DC300B}"/>
+                </a:ext>
+              </a:extLst>
+            </p:cNvPr>
+            <p:cNvCxnSpPr/>
+            <p:nvPr/>
+          </p:nvCxnSpPr>
+          <p:spPr>
+            <a:xfrm>
+              <a:off x="4599201" y="1220367"/>
+              <a:ext cx="0" cy="4419600"/>
+            </a:xfrm>
+            <a:prstGeom prst="line">
+              <a:avLst/>
+            </a:prstGeom>
+            <a:ln w="12700">
+              <a:prstDash val="lgDash"/>
+            </a:ln>
+          </p:spPr>
+          <p:style>
+            <a:lnRef idx="1">
+              <a:schemeClr val="accent1"/>
+            </a:lnRef>
+            <a:fillRef idx="0">
+              <a:schemeClr val="accent1"/>
+            </a:fillRef>
+            <a:effectRef idx="0">
+              <a:schemeClr val="accent1"/>
+            </a:effectRef>
+            <a:fontRef idx="minor">
+              <a:schemeClr val="tx1"/>
+            </a:fontRef>
+          </p:style>
+        </p:cxnSp>
+        <p:sp>
+          <p:nvSpPr>
+            <p:cNvPr id="21" name="Arco 1">
+              <a:extLst>
+                <a:ext uri="{FF2B5EF4-FFF2-40B4-BE49-F238E27FC236}">
+                  <a16:creationId xmlns:a16="http://schemas.microsoft.com/office/drawing/2014/main" id="{8407BC7A-3735-4274-8EF1-3E47B63CFDE6}"/>
+                </a:ext>
+              </a:extLst>
+            </p:cNvPr>
+            <p:cNvSpPr/>
+            <p:nvPr/>
+          </p:nvSpPr>
+          <p:spPr>
+            <a:xfrm flipV="1">
+              <a:off x="852066" y="943435"/>
+              <a:ext cx="6021985" cy="4040930"/>
+            </a:xfrm>
+            <a:custGeom>
+              <a:avLst/>
+              <a:gdLst>
+                <a:gd name="connsiteX0" fmla="*/ 2146683 w 3276599"/>
+                <a:gd name="connsiteY0" fmla="*/ 86329 h 3497580"/>
+                <a:gd name="connsiteX1" fmla="*/ 3263023 w 3276599"/>
+                <a:gd name="connsiteY1" fmla="*/ 1524123 h 3497580"/>
+                <a:gd name="connsiteX2" fmla="*/ 1638300 w 3276599"/>
+                <a:gd name="connsiteY2" fmla="*/ 1748790 h 3497580"/>
+                <a:gd name="connsiteX3" fmla="*/ 2146683 w 3276599"/>
+                <a:gd name="connsiteY3" fmla="*/ 86329 h 3497580"/>
+                <a:gd name="connsiteX0" fmla="*/ 2146683 w 3276599"/>
+                <a:gd name="connsiteY0" fmla="*/ 86329 h 3497580"/>
+                <a:gd name="connsiteX1" fmla="*/ 3263023 w 3276599"/>
+                <a:gd name="connsiteY1" fmla="*/ 1524123 h 3497580"/>
+                <a:gd name="connsiteX0" fmla="*/ 508383 w 1624723"/>
+                <a:gd name="connsiteY0" fmla="*/ 0 h 1520221"/>
+                <a:gd name="connsiteX1" fmla="*/ 1624723 w 1624723"/>
+                <a:gd name="connsiteY1" fmla="*/ 1437794 h 1520221"/>
+                <a:gd name="connsiteX2" fmla="*/ 0 w 1624723"/>
+                <a:gd name="connsiteY2" fmla="*/ 1520221 h 1520221"/>
+                <a:gd name="connsiteX3" fmla="*/ 508383 w 1624723"/>
+                <a:gd name="connsiteY3" fmla="*/ 0 h 1520221"/>
+                <a:gd name="connsiteX0" fmla="*/ 508383 w 1624723"/>
+                <a:gd name="connsiteY0" fmla="*/ 0 h 1520221"/>
+                <a:gd name="connsiteX1" fmla="*/ 1624723 w 1624723"/>
+                <a:gd name="connsiteY1" fmla="*/ 1437794 h 1520221"/>
+                <a:gd name="connsiteX0" fmla="*/ 508383 w 1624723"/>
+                <a:gd name="connsiteY0" fmla="*/ 0 h 1520221"/>
+                <a:gd name="connsiteX1" fmla="*/ 1624723 w 1624723"/>
+                <a:gd name="connsiteY1" fmla="*/ 1437794 h 1520221"/>
+                <a:gd name="connsiteX2" fmla="*/ 0 w 1624723"/>
+                <a:gd name="connsiteY2" fmla="*/ 1520221 h 1520221"/>
+                <a:gd name="connsiteX3" fmla="*/ 508383 w 1624723"/>
+                <a:gd name="connsiteY3" fmla="*/ 0 h 1520221"/>
+                <a:gd name="connsiteX0" fmla="*/ 508383 w 1624723"/>
+                <a:gd name="connsiteY0" fmla="*/ 0 h 1520221"/>
+                <a:gd name="connsiteX1" fmla="*/ 1624723 w 1624723"/>
+                <a:gd name="connsiteY1" fmla="*/ 1437794 h 1520221"/>
+                <a:gd name="connsiteX0" fmla="*/ 508383 w 1624723"/>
+                <a:gd name="connsiteY0" fmla="*/ 0 h 1520221"/>
+                <a:gd name="connsiteX1" fmla="*/ 1624723 w 1624723"/>
+                <a:gd name="connsiteY1" fmla="*/ 1437794 h 1520221"/>
+                <a:gd name="connsiteX2" fmla="*/ 0 w 1624723"/>
+                <a:gd name="connsiteY2" fmla="*/ 1520221 h 1520221"/>
+                <a:gd name="connsiteX3" fmla="*/ 508383 w 1624723"/>
+                <a:gd name="connsiteY3" fmla="*/ 0 h 1520221"/>
+                <a:gd name="connsiteX0" fmla="*/ 508383 w 1624723"/>
+                <a:gd name="connsiteY0" fmla="*/ 0 h 1520221"/>
+                <a:gd name="connsiteX1" fmla="*/ 1624723 w 1624723"/>
+                <a:gd name="connsiteY1" fmla="*/ 1437794 h 1520221"/>
+                <a:gd name="connsiteX0" fmla="*/ 508383 w 1624723"/>
+                <a:gd name="connsiteY0" fmla="*/ 26324 h 1546545"/>
+                <a:gd name="connsiteX1" fmla="*/ 1624723 w 1624723"/>
+                <a:gd name="connsiteY1" fmla="*/ 1464118 h 1546545"/>
+                <a:gd name="connsiteX2" fmla="*/ 0 w 1624723"/>
+                <a:gd name="connsiteY2" fmla="*/ 1546545 h 1546545"/>
+                <a:gd name="connsiteX3" fmla="*/ 508383 w 1624723"/>
+                <a:gd name="connsiteY3" fmla="*/ 26324 h 1546545"/>
+                <a:gd name="connsiteX0" fmla="*/ 228733 w 1624723"/>
+                <a:gd name="connsiteY0" fmla="*/ 0 h 1546545"/>
+                <a:gd name="connsiteX1" fmla="*/ 1624723 w 1624723"/>
+                <a:gd name="connsiteY1" fmla="*/ 1464118 h 1546545"/>
+                <a:gd name="connsiteX0" fmla="*/ 508383 w 1624723"/>
+                <a:gd name="connsiteY0" fmla="*/ 26324 h 1546545"/>
+                <a:gd name="connsiteX1" fmla="*/ 1624723 w 1624723"/>
+                <a:gd name="connsiteY1" fmla="*/ 1464118 h 1546545"/>
+                <a:gd name="connsiteX2" fmla="*/ 0 w 1624723"/>
+                <a:gd name="connsiteY2" fmla="*/ 1546545 h 1546545"/>
+                <a:gd name="connsiteX3" fmla="*/ 508383 w 1624723"/>
+                <a:gd name="connsiteY3" fmla="*/ 26324 h 1546545"/>
+                <a:gd name="connsiteX0" fmla="*/ 228733 w 1624723"/>
+                <a:gd name="connsiteY0" fmla="*/ 0 h 1546545"/>
+                <a:gd name="connsiteX1" fmla="*/ 1624723 w 1624723"/>
+                <a:gd name="connsiteY1" fmla="*/ 1464118 h 1546545"/>
+                <a:gd name="connsiteX0" fmla="*/ 508383 w 1624723"/>
+                <a:gd name="connsiteY0" fmla="*/ 26324 h 1546545"/>
+                <a:gd name="connsiteX1" fmla="*/ 1624723 w 1624723"/>
+                <a:gd name="connsiteY1" fmla="*/ 1464118 h 1546545"/>
+                <a:gd name="connsiteX2" fmla="*/ 0 w 1624723"/>
+                <a:gd name="connsiteY2" fmla="*/ 1546545 h 1546545"/>
+                <a:gd name="connsiteX3" fmla="*/ 508383 w 1624723"/>
+                <a:gd name="connsiteY3" fmla="*/ 26324 h 1546545"/>
+                <a:gd name="connsiteX0" fmla="*/ 228733 w 1624723"/>
+                <a:gd name="connsiteY0" fmla="*/ 0 h 1546545"/>
+                <a:gd name="connsiteX1" fmla="*/ 1624723 w 1624723"/>
+                <a:gd name="connsiteY1" fmla="*/ 1464118 h 1546545"/>
+                <a:gd name="connsiteX0" fmla="*/ 508383 w 1624723"/>
+                <a:gd name="connsiteY0" fmla="*/ 29978 h 1550199"/>
+                <a:gd name="connsiteX1" fmla="*/ 1624723 w 1624723"/>
+                <a:gd name="connsiteY1" fmla="*/ 1467772 h 1550199"/>
+                <a:gd name="connsiteX2" fmla="*/ 0 w 1624723"/>
+                <a:gd name="connsiteY2" fmla="*/ 1550199 h 1550199"/>
+                <a:gd name="connsiteX3" fmla="*/ 508383 w 1624723"/>
+                <a:gd name="connsiteY3" fmla="*/ 29978 h 1550199"/>
+                <a:gd name="connsiteX0" fmla="*/ 185046 w 1624723"/>
+                <a:gd name="connsiteY0" fmla="*/ 0 h 1550199"/>
+                <a:gd name="connsiteX1" fmla="*/ 1624723 w 1624723"/>
+                <a:gd name="connsiteY1" fmla="*/ 1467772 h 1550199"/>
+                <a:gd name="connsiteX0" fmla="*/ 508383 w 1624723"/>
+                <a:gd name="connsiteY0" fmla="*/ 29978 h 1550199"/>
+                <a:gd name="connsiteX1" fmla="*/ 1624723 w 1624723"/>
+                <a:gd name="connsiteY1" fmla="*/ 1467772 h 1550199"/>
+                <a:gd name="connsiteX2" fmla="*/ 0 w 1624723"/>
+                <a:gd name="connsiteY2" fmla="*/ 1550199 h 1550199"/>
+                <a:gd name="connsiteX3" fmla="*/ 508383 w 1624723"/>
+                <a:gd name="connsiteY3" fmla="*/ 29978 h 1550199"/>
+                <a:gd name="connsiteX0" fmla="*/ 185046 w 1624723"/>
+                <a:gd name="connsiteY0" fmla="*/ 0 h 1550199"/>
+                <a:gd name="connsiteX1" fmla="*/ 1624723 w 1624723"/>
+                <a:gd name="connsiteY1" fmla="*/ 1467772 h 1550199"/>
+                <a:gd name="connsiteX0" fmla="*/ 508383 w 1624723"/>
+                <a:gd name="connsiteY0" fmla="*/ 29978 h 1550199"/>
+                <a:gd name="connsiteX1" fmla="*/ 1624723 w 1624723"/>
+                <a:gd name="connsiteY1" fmla="*/ 1467772 h 1550199"/>
+                <a:gd name="connsiteX2" fmla="*/ 0 w 1624723"/>
+                <a:gd name="connsiteY2" fmla="*/ 1550199 h 1550199"/>
+                <a:gd name="connsiteX3" fmla="*/ 508383 w 1624723"/>
+                <a:gd name="connsiteY3" fmla="*/ 29978 h 1550199"/>
+                <a:gd name="connsiteX0" fmla="*/ 185046 w 1624723"/>
+                <a:gd name="connsiteY0" fmla="*/ 0 h 1550199"/>
+                <a:gd name="connsiteX1" fmla="*/ 1624723 w 1624723"/>
+                <a:gd name="connsiteY1" fmla="*/ 1467772 h 1550199"/>
+                <a:gd name="connsiteX0" fmla="*/ 508383 w 1624723"/>
+                <a:gd name="connsiteY0" fmla="*/ 29978 h 1550199"/>
+                <a:gd name="connsiteX1" fmla="*/ 0 w 1624723"/>
+                <a:gd name="connsiteY1" fmla="*/ 1550199 h 1550199"/>
+                <a:gd name="connsiteX2" fmla="*/ 508383 w 1624723"/>
+                <a:gd name="connsiteY2" fmla="*/ 29978 h 1550199"/>
+                <a:gd name="connsiteX0" fmla="*/ 185046 w 1624723"/>
+                <a:gd name="connsiteY0" fmla="*/ 0 h 1550199"/>
+                <a:gd name="connsiteX1" fmla="*/ 1624723 w 1624723"/>
+                <a:gd name="connsiteY1" fmla="*/ 1467772 h 1550199"/>
+                <a:gd name="connsiteX0" fmla="*/ 508383 w 1624723"/>
+                <a:gd name="connsiteY0" fmla="*/ 29978 h 1550199"/>
+                <a:gd name="connsiteX1" fmla="*/ 0 w 1624723"/>
+                <a:gd name="connsiteY1" fmla="*/ 1550199 h 1550199"/>
+                <a:gd name="connsiteX2" fmla="*/ 508383 w 1624723"/>
+                <a:gd name="connsiteY2" fmla="*/ 29978 h 1550199"/>
+                <a:gd name="connsiteX0" fmla="*/ 185046 w 1624723"/>
+                <a:gd name="connsiteY0" fmla="*/ 0 h 1550199"/>
+                <a:gd name="connsiteX1" fmla="*/ 1624723 w 1624723"/>
+                <a:gd name="connsiteY1" fmla="*/ 1467772 h 1550199"/>
+              </a:gdLst>
+              <a:ahLst/>
+              <a:cxnLst>
+                <a:cxn ang="0">
+                  <a:pos x="connsiteX0" y="connsiteY0"/>
+                </a:cxn>
+                <a:cxn ang="0">
+                  <a:pos x="connsiteX1" y="connsiteY1"/>
+                </a:cxn>
+              </a:cxnLst>
+              <a:rect l="l" t="t" r="r" b="b"/>
+              <a:pathLst>
+                <a:path w="1624723" h="1550199" stroke="0" extrusionOk="0">
+                  <a:moveTo>
+                    <a:pt x="508383" y="29978"/>
+                  </a:moveTo>
+                  <a:lnTo>
+                    <a:pt x="0" y="1550199"/>
+                  </a:lnTo>
+                  <a:cubicBezTo>
+                    <a:pt x="189781" y="945245"/>
+                    <a:pt x="338922" y="584132"/>
+                    <a:pt x="508383" y="29978"/>
+                  </a:cubicBezTo>
+                  <a:close/>
+                </a:path>
+                <a:path w="1624723" h="1550199" fill="none">
+                  <a:moveTo>
+                    <a:pt x="185046" y="0"/>
+                  </a:moveTo>
+                  <a:cubicBezTo>
+                    <a:pt x="734401" y="333564"/>
+                    <a:pt x="1420185" y="773215"/>
+                    <a:pt x="1624723" y="1467772"/>
+                  </a:cubicBezTo>
+                </a:path>
+              </a:pathLst>
+            </a:custGeom>
+            <a:ln w="19050">
+              <a:solidFill>
+                <a:srgbClr val="FF0000"/>
+              </a:solidFill>
+            </a:ln>
+          </p:spPr>
+          <p:style>
+            <a:lnRef idx="1">
+              <a:schemeClr val="accent1"/>
+            </a:lnRef>
+            <a:fillRef idx="0">
+              <a:schemeClr val="accent1"/>
+            </a:fillRef>
+            <a:effectRef idx="0">
+              <a:schemeClr val="accent1"/>
+            </a:effectRef>
+            <a:fontRef idx="minor">
+              <a:schemeClr val="tx1"/>
+            </a:fontRef>
+          </p:style>
+          <p:txBody>
+            <a:bodyPr rtlCol="0" anchor="ctr"/>
+            <a:lstStyle/>
+            <a:p>
+              <a:pPr algn="ctr"/>
+              <a:endParaRPr lang="pt-BR"/>
+            </a:p>
+          </p:txBody>
+        </p:sp>
+        <p:sp>
+          <p:nvSpPr>
+            <p:cNvPr id="22" name="Arco 1">
+              <a:extLst>
+                <a:ext uri="{FF2B5EF4-FFF2-40B4-BE49-F238E27FC236}">
+                  <a16:creationId xmlns:a16="http://schemas.microsoft.com/office/drawing/2014/main" id="{229F2902-F1D8-453B-86C6-F429CACB442F}"/>
+                </a:ext>
+              </a:extLst>
+            </p:cNvPr>
+            <p:cNvSpPr/>
+            <p:nvPr/>
+          </p:nvSpPr>
+          <p:spPr>
+            <a:xfrm flipH="1" flipV="1">
+              <a:off x="2086544" y="533400"/>
+              <a:ext cx="5119436" cy="4390534"/>
+            </a:xfrm>
+            <a:custGeom>
+              <a:avLst/>
+              <a:gdLst>
+                <a:gd name="connsiteX0" fmla="*/ 2146683 w 3276599"/>
+                <a:gd name="connsiteY0" fmla="*/ 86329 h 3497580"/>
+                <a:gd name="connsiteX1" fmla="*/ 3263023 w 3276599"/>
+                <a:gd name="connsiteY1" fmla="*/ 1524123 h 3497580"/>
+                <a:gd name="connsiteX2" fmla="*/ 1638300 w 3276599"/>
+                <a:gd name="connsiteY2" fmla="*/ 1748790 h 3497580"/>
+                <a:gd name="connsiteX3" fmla="*/ 2146683 w 3276599"/>
+                <a:gd name="connsiteY3" fmla="*/ 86329 h 3497580"/>
+                <a:gd name="connsiteX0" fmla="*/ 2146683 w 3276599"/>
+                <a:gd name="connsiteY0" fmla="*/ 86329 h 3497580"/>
+                <a:gd name="connsiteX1" fmla="*/ 3263023 w 3276599"/>
+                <a:gd name="connsiteY1" fmla="*/ 1524123 h 3497580"/>
+                <a:gd name="connsiteX0" fmla="*/ 508383 w 1624723"/>
+                <a:gd name="connsiteY0" fmla="*/ 0 h 1520221"/>
+                <a:gd name="connsiteX1" fmla="*/ 1624723 w 1624723"/>
+                <a:gd name="connsiteY1" fmla="*/ 1437794 h 1520221"/>
+                <a:gd name="connsiteX2" fmla="*/ 0 w 1624723"/>
+                <a:gd name="connsiteY2" fmla="*/ 1520221 h 1520221"/>
+                <a:gd name="connsiteX3" fmla="*/ 508383 w 1624723"/>
+                <a:gd name="connsiteY3" fmla="*/ 0 h 1520221"/>
+                <a:gd name="connsiteX0" fmla="*/ 508383 w 1624723"/>
+                <a:gd name="connsiteY0" fmla="*/ 0 h 1520221"/>
+                <a:gd name="connsiteX1" fmla="*/ 1624723 w 1624723"/>
+                <a:gd name="connsiteY1" fmla="*/ 1437794 h 1520221"/>
+                <a:gd name="connsiteX0" fmla="*/ 508383 w 1624723"/>
+                <a:gd name="connsiteY0" fmla="*/ 0 h 1520221"/>
+                <a:gd name="connsiteX1" fmla="*/ 1624723 w 1624723"/>
+                <a:gd name="connsiteY1" fmla="*/ 1437794 h 1520221"/>
+                <a:gd name="connsiteX2" fmla="*/ 0 w 1624723"/>
+                <a:gd name="connsiteY2" fmla="*/ 1520221 h 1520221"/>
+                <a:gd name="connsiteX3" fmla="*/ 508383 w 1624723"/>
+                <a:gd name="connsiteY3" fmla="*/ 0 h 1520221"/>
+                <a:gd name="connsiteX0" fmla="*/ 508383 w 1624723"/>
+                <a:gd name="connsiteY0" fmla="*/ 0 h 1520221"/>
+                <a:gd name="connsiteX1" fmla="*/ 1624723 w 1624723"/>
+                <a:gd name="connsiteY1" fmla="*/ 1437794 h 1520221"/>
+                <a:gd name="connsiteX0" fmla="*/ 24780 w 1141120"/>
+                <a:gd name="connsiteY0" fmla="*/ 0 h 1437794"/>
+                <a:gd name="connsiteX1" fmla="*/ 1141120 w 1141120"/>
+                <a:gd name="connsiteY1" fmla="*/ 1437794 h 1437794"/>
+                <a:gd name="connsiteX2" fmla="*/ 427617 w 1141120"/>
+                <a:gd name="connsiteY2" fmla="*/ 1235042 h 1437794"/>
+                <a:gd name="connsiteX3" fmla="*/ 24780 w 1141120"/>
+                <a:gd name="connsiteY3" fmla="*/ 0 h 1437794"/>
+                <a:gd name="connsiteX0" fmla="*/ 24780 w 1141120"/>
+                <a:gd name="connsiteY0" fmla="*/ 0 h 1437794"/>
+                <a:gd name="connsiteX1" fmla="*/ 1141120 w 1141120"/>
+                <a:gd name="connsiteY1" fmla="*/ 1437794 h 1437794"/>
+                <a:gd name="connsiteX0" fmla="*/ 24780 w 1141120"/>
+                <a:gd name="connsiteY0" fmla="*/ 0 h 1437794"/>
+                <a:gd name="connsiteX1" fmla="*/ 1141120 w 1141120"/>
+                <a:gd name="connsiteY1" fmla="*/ 1437794 h 1437794"/>
+                <a:gd name="connsiteX2" fmla="*/ 427617 w 1141120"/>
+                <a:gd name="connsiteY2" fmla="*/ 1235042 h 1437794"/>
+                <a:gd name="connsiteX3" fmla="*/ 24780 w 1141120"/>
+                <a:gd name="connsiteY3" fmla="*/ 0 h 1437794"/>
+                <a:gd name="connsiteX0" fmla="*/ 24780 w 1141120"/>
+                <a:gd name="connsiteY0" fmla="*/ 0 h 1437794"/>
+                <a:gd name="connsiteX1" fmla="*/ 1141120 w 1141120"/>
+                <a:gd name="connsiteY1" fmla="*/ 1437794 h 1437794"/>
+                <a:gd name="connsiteX0" fmla="*/ 24780 w 1247716"/>
+                <a:gd name="connsiteY0" fmla="*/ 0 h 1437794"/>
+                <a:gd name="connsiteX1" fmla="*/ 1141120 w 1247716"/>
+                <a:gd name="connsiteY1" fmla="*/ 1437794 h 1437794"/>
+                <a:gd name="connsiteX2" fmla="*/ 427617 w 1247716"/>
+                <a:gd name="connsiteY2" fmla="*/ 1235042 h 1437794"/>
+                <a:gd name="connsiteX3" fmla="*/ 24780 w 1247716"/>
+                <a:gd name="connsiteY3" fmla="*/ 0 h 1437794"/>
+                <a:gd name="connsiteX0" fmla="*/ 24780 w 1247716"/>
+                <a:gd name="connsiteY0" fmla="*/ 0 h 1437794"/>
+                <a:gd name="connsiteX1" fmla="*/ 1247716 w 1247716"/>
+                <a:gd name="connsiteY1" fmla="*/ 1411470 h 1437794"/>
+                <a:gd name="connsiteX0" fmla="*/ 24780 w 1247716"/>
+                <a:gd name="connsiteY0" fmla="*/ 105297 h 1543091"/>
+                <a:gd name="connsiteX1" fmla="*/ 1141120 w 1247716"/>
+                <a:gd name="connsiteY1" fmla="*/ 1543091 h 1543091"/>
+                <a:gd name="connsiteX2" fmla="*/ 427617 w 1247716"/>
+                <a:gd name="connsiteY2" fmla="*/ 1340339 h 1543091"/>
+                <a:gd name="connsiteX3" fmla="*/ 24780 w 1247716"/>
+                <a:gd name="connsiteY3" fmla="*/ 105297 h 1543091"/>
+                <a:gd name="connsiteX0" fmla="*/ 62604 w 1247716"/>
+                <a:gd name="connsiteY0" fmla="*/ 0 h 1543091"/>
+                <a:gd name="connsiteX1" fmla="*/ 1247716 w 1247716"/>
+                <a:gd name="connsiteY1" fmla="*/ 1516767 h 1543091"/>
+                <a:gd name="connsiteX0" fmla="*/ 24780 w 1285540"/>
+                <a:gd name="connsiteY0" fmla="*/ 105297 h 1543091"/>
+                <a:gd name="connsiteX1" fmla="*/ 1141120 w 1285540"/>
+                <a:gd name="connsiteY1" fmla="*/ 1543091 h 1543091"/>
+                <a:gd name="connsiteX2" fmla="*/ 427617 w 1285540"/>
+                <a:gd name="connsiteY2" fmla="*/ 1340339 h 1543091"/>
+                <a:gd name="connsiteX3" fmla="*/ 24780 w 1285540"/>
+                <a:gd name="connsiteY3" fmla="*/ 105297 h 1543091"/>
+                <a:gd name="connsiteX0" fmla="*/ 62604 w 1285540"/>
+                <a:gd name="connsiteY0" fmla="*/ 0 h 1543091"/>
+                <a:gd name="connsiteX1" fmla="*/ 1285540 w 1285540"/>
+                <a:gd name="connsiteY1" fmla="*/ 1459732 h 1543091"/>
+                <a:gd name="connsiteX0" fmla="*/ 24780 w 1285540"/>
+                <a:gd name="connsiteY0" fmla="*/ 105297 h 1543091"/>
+                <a:gd name="connsiteX1" fmla="*/ 1141120 w 1285540"/>
+                <a:gd name="connsiteY1" fmla="*/ 1543091 h 1543091"/>
+                <a:gd name="connsiteX2" fmla="*/ 427617 w 1285540"/>
+                <a:gd name="connsiteY2" fmla="*/ 1340339 h 1543091"/>
+                <a:gd name="connsiteX3" fmla="*/ 24780 w 1285540"/>
+                <a:gd name="connsiteY3" fmla="*/ 105297 h 1543091"/>
+                <a:gd name="connsiteX0" fmla="*/ 62604 w 1285540"/>
+                <a:gd name="connsiteY0" fmla="*/ 0 h 1543091"/>
+                <a:gd name="connsiteX1" fmla="*/ 1285540 w 1285540"/>
+                <a:gd name="connsiteY1" fmla="*/ 1459732 h 1543091"/>
+                <a:gd name="connsiteX0" fmla="*/ 0 w 1260760"/>
+                <a:gd name="connsiteY0" fmla="*/ 105297 h 1543091"/>
+                <a:gd name="connsiteX1" fmla="*/ 1116340 w 1260760"/>
+                <a:gd name="connsiteY1" fmla="*/ 1543091 h 1543091"/>
+                <a:gd name="connsiteX2" fmla="*/ 0 w 1260760"/>
+                <a:gd name="connsiteY2" fmla="*/ 105297 h 1543091"/>
+                <a:gd name="connsiteX0" fmla="*/ 37824 w 1260760"/>
+                <a:gd name="connsiteY0" fmla="*/ 0 h 1543091"/>
+                <a:gd name="connsiteX1" fmla="*/ 1260760 w 1260760"/>
+                <a:gd name="connsiteY1" fmla="*/ 1459732 h 1543091"/>
+                <a:gd name="connsiteX0" fmla="*/ 1116340 w 1260760"/>
+                <a:gd name="connsiteY0" fmla="*/ 1543091 h 1575912"/>
+                <a:gd name="connsiteX1" fmla="*/ 0 w 1260760"/>
+                <a:gd name="connsiteY1" fmla="*/ 105297 h 1575912"/>
+                <a:gd name="connsiteX2" fmla="*/ 1138859 w 1260760"/>
+                <a:gd name="connsiteY2" fmla="*/ 1575912 h 1575912"/>
+                <a:gd name="connsiteX0" fmla="*/ 37824 w 1260760"/>
+                <a:gd name="connsiteY0" fmla="*/ 0 h 1575912"/>
+                <a:gd name="connsiteX1" fmla="*/ 1260760 w 1260760"/>
+                <a:gd name="connsiteY1" fmla="*/ 1459732 h 1575912"/>
+                <a:gd name="connsiteX0" fmla="*/ 0 w 1307895"/>
+                <a:gd name="connsiteY0" fmla="*/ 1013170 h 1575912"/>
+                <a:gd name="connsiteX1" fmla="*/ 47135 w 1307895"/>
+                <a:gd name="connsiteY1" fmla="*/ 105297 h 1575912"/>
+                <a:gd name="connsiteX2" fmla="*/ 1185994 w 1307895"/>
+                <a:gd name="connsiteY2" fmla="*/ 1575912 h 1575912"/>
+                <a:gd name="connsiteX0" fmla="*/ 84959 w 1307895"/>
+                <a:gd name="connsiteY0" fmla="*/ 0 h 1575912"/>
+                <a:gd name="connsiteX1" fmla="*/ 1307895 w 1307895"/>
+                <a:gd name="connsiteY1" fmla="*/ 1459732 h 1575912"/>
+                <a:gd name="connsiteX0" fmla="*/ 0 w 1260760"/>
+                <a:gd name="connsiteY0" fmla="*/ 105297 h 1575912"/>
+                <a:gd name="connsiteX1" fmla="*/ 1138859 w 1260760"/>
+                <a:gd name="connsiteY1" fmla="*/ 1575912 h 1575912"/>
+                <a:gd name="connsiteX0" fmla="*/ 37824 w 1260760"/>
+                <a:gd name="connsiteY0" fmla="*/ 0 h 1575912"/>
+                <a:gd name="connsiteX1" fmla="*/ 1260760 w 1260760"/>
+                <a:gd name="connsiteY1" fmla="*/ 1459732 h 1575912"/>
+                <a:gd name="connsiteX0" fmla="*/ 0 w 1260760"/>
+                <a:gd name="connsiteY0" fmla="*/ 105297 h 1575912"/>
+                <a:gd name="connsiteX1" fmla="*/ 1138859 w 1260760"/>
+                <a:gd name="connsiteY1" fmla="*/ 1575912 h 1575912"/>
+                <a:gd name="connsiteX0" fmla="*/ 37824 w 1260760"/>
+                <a:gd name="connsiteY0" fmla="*/ 0 h 1575912"/>
+                <a:gd name="connsiteX1" fmla="*/ 1260760 w 1260760"/>
+                <a:gd name="connsiteY1" fmla="*/ 1459732 h 1575912"/>
+                <a:gd name="connsiteX0" fmla="*/ 0 w 1260760"/>
+                <a:gd name="connsiteY0" fmla="*/ 105297 h 1575912"/>
+                <a:gd name="connsiteX1" fmla="*/ 1138859 w 1260760"/>
+                <a:gd name="connsiteY1" fmla="*/ 1575912 h 1575912"/>
+                <a:gd name="connsiteX0" fmla="*/ 37824 w 1260760"/>
+                <a:gd name="connsiteY0" fmla="*/ 0 h 1575912"/>
+                <a:gd name="connsiteX1" fmla="*/ 1260760 w 1260760"/>
+                <a:gd name="connsiteY1" fmla="*/ 1459732 h 1575912"/>
+              </a:gdLst>
+              <a:ahLst/>
+              <a:cxnLst>
+                <a:cxn ang="0">
+                  <a:pos x="connsiteX0" y="connsiteY0"/>
+                </a:cxn>
+                <a:cxn ang="0">
+                  <a:pos x="connsiteX1" y="connsiteY1"/>
+                </a:cxn>
+              </a:cxnLst>
+              <a:rect l="l" t="t" r="r" b="b"/>
+              <a:pathLst>
+                <a:path w="1260760" h="1575912" stroke="0" extrusionOk="0">
+                  <a:moveTo>
+                    <a:pt x="0" y="105297"/>
+                  </a:moveTo>
+                  <a:cubicBezTo>
+                    <a:pt x="600752" y="314624"/>
+                    <a:pt x="1035154" y="874112"/>
+                    <a:pt x="1138859" y="1575912"/>
+                  </a:cubicBezTo>
+                </a:path>
+                <a:path w="1260760" h="1575912" fill="none">
+                  <a:moveTo>
+                    <a:pt x="37824" y="0"/>
+                  </a:moveTo>
+                  <a:cubicBezTo>
+                    <a:pt x="643268" y="445227"/>
+                    <a:pt x="929597" y="784429"/>
+                    <a:pt x="1260760" y="1459732"/>
+                  </a:cubicBezTo>
+                </a:path>
+              </a:pathLst>
+            </a:custGeom>
+            <a:ln w="19050">
+              <a:solidFill>
+                <a:srgbClr val="0070C0"/>
+              </a:solidFill>
+            </a:ln>
+          </p:spPr>
+          <p:style>
+            <a:lnRef idx="1">
+              <a:schemeClr val="accent1"/>
+            </a:lnRef>
+            <a:fillRef idx="0">
+              <a:schemeClr val="accent1"/>
+            </a:fillRef>
+            <a:effectRef idx="0">
+              <a:schemeClr val="accent1"/>
+            </a:effectRef>
+            <a:fontRef idx="minor">
+              <a:schemeClr val="tx1"/>
+            </a:fontRef>
+          </p:style>
+          <p:txBody>
+            <a:bodyPr rtlCol="0" anchor="ctr"/>
+            <a:lstStyle/>
+            <a:p>
+              <a:pPr algn="ctr"/>
+              <a:endParaRPr lang="pt-BR" dirty="0"/>
+            </a:p>
+          </p:txBody>
+        </p:sp>
+        <p:sp>
+          <p:nvSpPr>
+            <p:cNvPr id="23" name="CaixaDeTexto 22">
+              <a:extLst>
+                <a:ext uri="{FF2B5EF4-FFF2-40B4-BE49-F238E27FC236}">
+                  <a16:creationId xmlns:a16="http://schemas.microsoft.com/office/drawing/2014/main" id="{0913C007-B6B7-4272-AB86-38393DA54230}"/>
+                </a:ext>
+              </a:extLst>
+            </p:cNvPr>
+            <p:cNvSpPr txBox="1"/>
+            <p:nvPr/>
+          </p:nvSpPr>
+          <p:spPr>
+            <a:xfrm>
+              <a:off x="6072059" y="5773736"/>
+              <a:ext cx="1447800" cy="369332"/>
+            </a:xfrm>
+            <a:prstGeom prst="rect">
+              <a:avLst/>
+            </a:prstGeom>
+            <a:noFill/>
+          </p:spPr>
+          <p:txBody>
+            <a:bodyPr wrap="square" rtlCol="0">
+              <a:spAutoFit/>
+            </a:bodyPr>
+            <a:lstStyle/>
+            <a:p>
+              <a:r>
+                <a:rPr lang="pt-BR" dirty="0"/>
+                <a:t>Quantidade</a:t>
+              </a:r>
+              <a:endParaRPr lang="en-US" dirty="0"/>
+            </a:p>
+          </p:txBody>
+        </p:sp>
+        <p:cxnSp>
+          <p:nvCxnSpPr>
+            <p:cNvPr id="24" name="Conector reto 23">
+              <a:extLst>
+                <a:ext uri="{FF2B5EF4-FFF2-40B4-BE49-F238E27FC236}">
+                  <a16:creationId xmlns:a16="http://schemas.microsoft.com/office/drawing/2014/main" id="{6CD9E522-F44A-4AAB-9C17-09EBFC86F53C}"/>
+                </a:ext>
+              </a:extLst>
+            </p:cNvPr>
+            <p:cNvCxnSpPr>
+              <a:cxnSpLocks/>
+            </p:cNvCxnSpPr>
+            <p:nvPr/>
+          </p:nvCxnSpPr>
+          <p:spPr>
+            <a:xfrm flipH="1">
+              <a:off x="1537866" y="3478990"/>
+              <a:ext cx="4366260" cy="0"/>
+            </a:xfrm>
+            <a:prstGeom prst="line">
+              <a:avLst/>
+            </a:prstGeom>
+            <a:ln w="12700">
+              <a:prstDash val="lgDash"/>
+            </a:ln>
+          </p:spPr>
+          <p:style>
+            <a:lnRef idx="1">
+              <a:schemeClr val="accent1"/>
+            </a:lnRef>
+            <a:fillRef idx="0">
+              <a:schemeClr val="accent1"/>
+            </a:fillRef>
+            <a:effectRef idx="0">
+              <a:schemeClr val="accent1"/>
+            </a:effectRef>
+            <a:fontRef idx="minor">
+              <a:schemeClr val="tx1"/>
+            </a:fontRef>
+          </p:style>
+        </p:cxnSp>
+        <mc:AlternateContent xmlns:mc="http://schemas.openxmlformats.org/markup-compatibility/2006">
+          <mc:Choice xmlns:a14="http://schemas.microsoft.com/office/drawing/2010/main" Requires="a14">
+            <p:sp>
+              <p:nvSpPr>
+                <p:cNvPr id="25" name="CaixaDeTexto 24">
+                  <a:extLst>
+                    <a:ext uri="{FF2B5EF4-FFF2-40B4-BE49-F238E27FC236}">
+                      <a16:creationId xmlns:a16="http://schemas.microsoft.com/office/drawing/2014/main" id="{30E485CE-72BD-4656-974E-52A65B709BF3}"/>
+                    </a:ext>
+                  </a:extLst>
+                </p:cNvPr>
+                <p:cNvSpPr txBox="1"/>
+                <p:nvPr/>
+              </p:nvSpPr>
+              <p:spPr>
+                <a:xfrm>
+                  <a:off x="1116619" y="3305635"/>
+                  <a:ext cx="462754" cy="369332"/>
+                </a:xfrm>
+                <a:prstGeom prst="rect">
+                  <a:avLst/>
+                </a:prstGeom>
+                <a:noFill/>
+              </p:spPr>
+              <p:txBody>
+                <a:bodyPr wrap="none" rtlCol="0">
+                  <a:spAutoFit/>
+                </a:bodyPr>
+                <a:lstStyle/>
+                <a:p>
+                  <a14:m>
+                    <m:oMathPara xmlns:m="http://schemas.openxmlformats.org/officeDocument/2006/math">
+                      <m:oMathParaPr>
+                        <m:jc m:val="centerGroup"/>
+                      </m:oMathParaPr>
+                      <m:oMath xmlns:m="http://schemas.openxmlformats.org/officeDocument/2006/math">
+                        <m:sSub>
+                          <m:sSubPr>
+                            <m:ctrlPr>
+                              <a:rPr lang="pt-BR" i="1" dirty="0" smtClean="0">
+                                <a:latin typeface="Cambria Math" panose="02040503050406030204" pitchFamily="18" charset="0"/>
+                              </a:rPr>
+                            </m:ctrlPr>
+                          </m:sSubPr>
+                          <m:e>
+                            <m:r>
+                              <a:rPr lang="pt-BR" b="0" i="1" dirty="0" smtClean="0">
+                                <a:latin typeface="Cambria Math" panose="02040503050406030204" pitchFamily="18" charset="0"/>
+                              </a:rPr>
+                              <m:t>𝑃</m:t>
+                            </m:r>
+                          </m:e>
+                          <m:sub>
+                            <m:r>
+                              <a:rPr lang="pt-BR" b="0" i="1" dirty="0" smtClean="0">
+                                <a:latin typeface="Cambria Math" panose="02040503050406030204" pitchFamily="18" charset="0"/>
+                              </a:rPr>
+                              <m:t>0</m:t>
+                            </m:r>
+                          </m:sub>
+                        </m:sSub>
+                      </m:oMath>
+                    </m:oMathPara>
+                  </a14:m>
+                  <a:endParaRPr lang="en-US" dirty="0"/>
+                </a:p>
+              </p:txBody>
+            </p:sp>
+          </mc:Choice>
+          <mc:Fallback>
+            <p:sp>
+              <p:nvSpPr>
+                <p:cNvPr id="25" name="CaixaDeTexto 24">
+                  <a:extLst>
+                    <a:ext uri="{FF2B5EF4-FFF2-40B4-BE49-F238E27FC236}">
+                      <a16:creationId xmlns:a16="http://schemas.microsoft.com/office/drawing/2014/main" id="{30E485CE-72BD-4656-974E-52A65B709BF3}"/>
+                    </a:ext>
+                  </a:extLst>
+                </p:cNvPr>
+                <p:cNvSpPr txBox="1">
+                  <a:spLocks noRot="1" noChangeAspect="1" noMove="1" noResize="1" noEditPoints="1" noAdjustHandles="1" noChangeArrowheads="1" noChangeShapeType="1" noTextEdit="1"/>
+                </p:cNvSpPr>
+                <p:nvPr/>
+              </p:nvSpPr>
+              <p:spPr>
+                <a:xfrm>
+                  <a:off x="1116619" y="3305635"/>
+                  <a:ext cx="462754" cy="369332"/>
+                </a:xfrm>
+                <a:prstGeom prst="rect">
+                  <a:avLst/>
+                </a:prstGeom>
+                <a:blipFill>
+                  <a:blip r:embed="rId3"/>
+                  <a:stretch>
+                    <a:fillRect/>
+                  </a:stretch>
+                </a:blipFill>
+              </p:spPr>
+              <p:txBody>
+                <a:bodyPr/>
+                <a:lstStyle/>
+                <a:p>
+                  <a:r>
+                    <a:rPr lang="pt-BR">
+                      <a:noFill/>
+                    </a:rPr>
+                    <a:t> </a:t>
+                  </a:r>
+                </a:p>
+              </p:txBody>
+            </p:sp>
+          </mc:Fallback>
+        </mc:AlternateContent>
+        <p:sp>
+          <p:nvSpPr>
+            <p:cNvPr id="26" name="Elipse 25">
+              <a:extLst>
+                <a:ext uri="{FF2B5EF4-FFF2-40B4-BE49-F238E27FC236}">
+                  <a16:creationId xmlns:a16="http://schemas.microsoft.com/office/drawing/2014/main" id="{8241FD8D-DD60-4FA6-938D-9EA78512CDE8}"/>
+                </a:ext>
+              </a:extLst>
+            </p:cNvPr>
+            <p:cNvSpPr/>
+            <p:nvPr/>
+          </p:nvSpPr>
+          <p:spPr>
+            <a:xfrm>
+              <a:off x="4576341" y="3456130"/>
+              <a:ext cx="45719" cy="45719"/>
+            </a:xfrm>
+            <a:prstGeom prst="ellipse">
+              <a:avLst/>
+            </a:prstGeom>
+            <a:solidFill>
+              <a:schemeClr val="tx1"/>
+            </a:solidFill>
+            <a:ln>
+              <a:solidFill>
+                <a:schemeClr val="tx1"/>
+              </a:solidFill>
+            </a:ln>
+          </p:spPr>
+          <p:style>
+            <a:lnRef idx="2">
+              <a:schemeClr val="accent1">
+                <a:shade val="50000"/>
+              </a:schemeClr>
+            </a:lnRef>
+            <a:fillRef idx="1">
+              <a:schemeClr val="accent1"/>
+            </a:fillRef>
+            <a:effectRef idx="0">
+              <a:schemeClr val="accent1"/>
+            </a:effectRef>
+            <a:fontRef idx="minor">
+              <a:schemeClr val="lt1"/>
+            </a:fontRef>
+          </p:style>
+          <p:txBody>
+            <a:bodyPr rtlCol="0" anchor="ctr"/>
+            <a:lstStyle/>
+            <a:p>
+              <a:pPr algn="ctr"/>
+              <a:endParaRPr lang="pt-BR"/>
+            </a:p>
+          </p:txBody>
+        </p:sp>
+      </p:grpSp>
+    </p:spTree>
+    <p:extLst>
+      <p:ext uri="{BB962C8B-B14F-4D97-AF65-F5344CB8AC3E}">
+        <p14:creationId xmlns:p14="http://schemas.microsoft.com/office/powerpoint/2010/main" val="1547084196"/>
+      </p:ext>
+    </p:extLst>
   </p:cSld>
   <p:clrMapOvr>
     <a:masterClrMapping/>
